--- a/Decision tree.pptx
+++ b/Decision tree.pptx
@@ -9,11 +9,15 @@
     <p:sldId id="258" r:id="rId3"/>
     <p:sldId id="257" r:id="rId4"/>
     <p:sldId id="264" r:id="rId5"/>
-    <p:sldId id="263" r:id="rId6"/>
-    <p:sldId id="259" r:id="rId7"/>
-    <p:sldId id="260" r:id="rId8"/>
-    <p:sldId id="261" r:id="rId9"/>
-    <p:sldId id="262" r:id="rId10"/>
+    <p:sldId id="265" r:id="rId6"/>
+    <p:sldId id="266" r:id="rId7"/>
+    <p:sldId id="267" r:id="rId8"/>
+    <p:sldId id="263" r:id="rId9"/>
+    <p:sldId id="259" r:id="rId10"/>
+    <p:sldId id="260" r:id="rId11"/>
+    <p:sldId id="261" r:id="rId12"/>
+    <p:sldId id="262" r:id="rId13"/>
+    <p:sldId id="268" r:id="rId14"/>
   </p:sldIdLst>
   <p:sldSz cx="12192000" cy="6858000"/>
   <p:notesSz cx="6858000" cy="9144000"/>
@@ -112,6 +116,11 @@
       </a:defRPr>
     </a:lvl9pPr>
   </p:defaultTextStyle>
+  <p:extLst>
+    <p:ext uri="{EFAFB233-063F-42B5-8137-9DF3F51BA10A}">
+      <p15:sldGuideLst xmlns:p15="http://schemas.microsoft.com/office/powerpoint/2012/main"/>
+    </p:ext>
+  </p:extLst>
 </p:presentation>
 </file>
 
@@ -262,7 +271,7 @@
           <a:p>
             <a:fld id="{97A84B56-A5B3-4908-BB0D-F3E15725411D}" type="datetimeFigureOut">
               <a:rPr lang="ko-KR" altLang="en-US" smtClean="0"/>
-              <a:t>2018-09-17</a:t>
+              <a:t>2018-11-04</a:t>
             </a:fld>
             <a:endParaRPr lang="ko-KR" altLang="en-US"/>
           </a:p>
@@ -460,7 +469,7 @@
           <a:p>
             <a:fld id="{97A84B56-A5B3-4908-BB0D-F3E15725411D}" type="datetimeFigureOut">
               <a:rPr lang="ko-KR" altLang="en-US" smtClean="0"/>
-              <a:t>2018-09-17</a:t>
+              <a:t>2018-11-04</a:t>
             </a:fld>
             <a:endParaRPr lang="ko-KR" altLang="en-US"/>
           </a:p>
@@ -668,7 +677,7 @@
           <a:p>
             <a:fld id="{97A84B56-A5B3-4908-BB0D-F3E15725411D}" type="datetimeFigureOut">
               <a:rPr lang="ko-KR" altLang="en-US" smtClean="0"/>
-              <a:t>2018-09-17</a:t>
+              <a:t>2018-11-04</a:t>
             </a:fld>
             <a:endParaRPr lang="ko-KR" altLang="en-US"/>
           </a:p>
@@ -866,7 +875,7 @@
           <a:p>
             <a:fld id="{97A84B56-A5B3-4908-BB0D-F3E15725411D}" type="datetimeFigureOut">
               <a:rPr lang="ko-KR" altLang="en-US" smtClean="0"/>
-              <a:t>2018-09-17</a:t>
+              <a:t>2018-11-04</a:t>
             </a:fld>
             <a:endParaRPr lang="ko-KR" altLang="en-US"/>
           </a:p>
@@ -1141,7 +1150,7 @@
           <a:p>
             <a:fld id="{97A84B56-A5B3-4908-BB0D-F3E15725411D}" type="datetimeFigureOut">
               <a:rPr lang="ko-KR" altLang="en-US" smtClean="0"/>
-              <a:t>2018-09-17</a:t>
+              <a:t>2018-11-04</a:t>
             </a:fld>
             <a:endParaRPr lang="ko-KR" altLang="en-US"/>
           </a:p>
@@ -1406,7 +1415,7 @@
           <a:p>
             <a:fld id="{97A84B56-A5B3-4908-BB0D-F3E15725411D}" type="datetimeFigureOut">
               <a:rPr lang="ko-KR" altLang="en-US" smtClean="0"/>
-              <a:t>2018-09-17</a:t>
+              <a:t>2018-11-04</a:t>
             </a:fld>
             <a:endParaRPr lang="ko-KR" altLang="en-US"/>
           </a:p>
@@ -1818,7 +1827,7 @@
           <a:p>
             <a:fld id="{97A84B56-A5B3-4908-BB0D-F3E15725411D}" type="datetimeFigureOut">
               <a:rPr lang="ko-KR" altLang="en-US" smtClean="0"/>
-              <a:t>2018-09-17</a:t>
+              <a:t>2018-11-04</a:t>
             </a:fld>
             <a:endParaRPr lang="ko-KR" altLang="en-US"/>
           </a:p>
@@ -1959,7 +1968,7 @@
           <a:p>
             <a:fld id="{97A84B56-A5B3-4908-BB0D-F3E15725411D}" type="datetimeFigureOut">
               <a:rPr lang="ko-KR" altLang="en-US" smtClean="0"/>
-              <a:t>2018-09-17</a:t>
+              <a:t>2018-11-04</a:t>
             </a:fld>
             <a:endParaRPr lang="ko-KR" altLang="en-US"/>
           </a:p>
@@ -2072,7 +2081,7 @@
           <a:p>
             <a:fld id="{97A84B56-A5B3-4908-BB0D-F3E15725411D}" type="datetimeFigureOut">
               <a:rPr lang="ko-KR" altLang="en-US" smtClean="0"/>
-              <a:t>2018-09-17</a:t>
+              <a:t>2018-11-04</a:t>
             </a:fld>
             <a:endParaRPr lang="ko-KR" altLang="en-US"/>
           </a:p>
@@ -2383,7 +2392,7 @@
           <a:p>
             <a:fld id="{97A84B56-A5B3-4908-BB0D-F3E15725411D}" type="datetimeFigureOut">
               <a:rPr lang="ko-KR" altLang="en-US" smtClean="0"/>
-              <a:t>2018-09-17</a:t>
+              <a:t>2018-11-04</a:t>
             </a:fld>
             <a:endParaRPr lang="ko-KR" altLang="en-US"/>
           </a:p>
@@ -2671,7 +2680,7 @@
           <a:p>
             <a:fld id="{97A84B56-A5B3-4908-BB0D-F3E15725411D}" type="datetimeFigureOut">
               <a:rPr lang="ko-KR" altLang="en-US" smtClean="0"/>
-              <a:t>2018-09-17</a:t>
+              <a:t>2018-11-04</a:t>
             </a:fld>
             <a:endParaRPr lang="ko-KR" altLang="en-US"/>
           </a:p>
@@ -2912,7 +2921,7 @@
           <a:p>
             <a:fld id="{97A84B56-A5B3-4908-BB0D-F3E15725411D}" type="datetimeFigureOut">
               <a:rPr lang="ko-KR" altLang="en-US" smtClean="0"/>
-              <a:t>2018-09-17</a:t>
+              <a:t>2018-11-04</a:t>
             </a:fld>
             <a:endParaRPr lang="ko-KR" altLang="en-US"/>
           </a:p>
@@ -3758,6 +3767,424 @@
 </p:sld>
 </file>
 
+<file path=ppt/slides/slide10.xml><?xml version="1.0" encoding="utf-8"?>
+<p:sld xmlns:a="http://schemas.openxmlformats.org/drawingml/2006/main" xmlns:r="http://schemas.openxmlformats.org/officeDocument/2006/relationships" xmlns:p="http://schemas.openxmlformats.org/presentationml/2006/main">
+  <p:cSld>
+    <p:spTree>
+      <p:nvGrpSpPr>
+        <p:cNvPr id="1" name=""/>
+        <p:cNvGrpSpPr/>
+        <p:nvPr/>
+      </p:nvGrpSpPr>
+      <p:grpSpPr>
+        <a:xfrm>
+          <a:off x="0" y="0"/>
+          <a:ext cx="0" cy="0"/>
+          <a:chOff x="0" y="0"/>
+          <a:chExt cx="0" cy="0"/>
+        </a:xfrm>
+      </p:grpSpPr>
+      <p:sp>
+        <p:nvSpPr>
+          <p:cNvPr id="2" name="제목 1">
+            <a:extLst>
+              <a:ext uri="{FF2B5EF4-FFF2-40B4-BE49-F238E27FC236}">
+                <a16:creationId xmlns:a16="http://schemas.microsoft.com/office/drawing/2014/main" id="{5244CAD0-104F-4A3B-9D48-98C487A7AA6A}"/>
+              </a:ext>
+            </a:extLst>
+          </p:cNvPr>
+          <p:cNvSpPr>
+            <a:spLocks noGrp="1"/>
+          </p:cNvSpPr>
+          <p:nvPr>
+            <p:ph type="title"/>
+          </p:nvPr>
+        </p:nvSpPr>
+        <p:spPr/>
+        <p:txBody>
+          <a:bodyPr/>
+          <a:lstStyle/>
+          <a:p>
+            <a:r>
+              <a:rPr lang="en-US" altLang="ko-KR" dirty="0"/>
+              <a:t>Ensemble learning methods</a:t>
+            </a:r>
+            <a:endParaRPr lang="ko-KR" altLang="en-US" dirty="0"/>
+          </a:p>
+        </p:txBody>
+      </p:sp>
+      <p:sp>
+        <p:nvSpPr>
+          <p:cNvPr id="3" name="내용 개체 틀 2">
+            <a:extLst>
+              <a:ext uri="{FF2B5EF4-FFF2-40B4-BE49-F238E27FC236}">
+                <a16:creationId xmlns:a16="http://schemas.microsoft.com/office/drawing/2014/main" id="{1ED24185-9524-4A61-85A4-66BE9E22B065}"/>
+              </a:ext>
+            </a:extLst>
+          </p:cNvPr>
+          <p:cNvSpPr>
+            <a:spLocks noGrp="1"/>
+          </p:cNvSpPr>
+          <p:nvPr>
+            <p:ph idx="1"/>
+          </p:nvPr>
+        </p:nvSpPr>
+        <p:spPr/>
+        <p:txBody>
+          <a:bodyPr/>
+          <a:lstStyle/>
+          <a:p>
+            <a:r>
+              <a:rPr lang="en-US" altLang="ko-KR" dirty="0"/>
+              <a:t>Random forest</a:t>
+            </a:r>
+          </a:p>
+          <a:p>
+            <a:r>
+              <a:rPr lang="en-US" altLang="ko-KR" dirty="0"/>
+              <a:t>Boost tree</a:t>
+            </a:r>
+          </a:p>
+          <a:p>
+            <a:r>
+              <a:rPr lang="ko-KR" altLang="en-US" dirty="0"/>
+              <a:t>회전 </a:t>
+            </a:r>
+            <a:r>
+              <a:rPr lang="ko-KR" altLang="en-US" dirty="0" err="1"/>
+              <a:t>포레스트</a:t>
+            </a:r>
+            <a:endParaRPr lang="ko-KR" altLang="en-US" dirty="0"/>
+          </a:p>
+        </p:txBody>
+      </p:sp>
+    </p:spTree>
+    <p:extLst>
+      <p:ext uri="{BB962C8B-B14F-4D97-AF65-F5344CB8AC3E}">
+        <p14:creationId xmlns:p14="http://schemas.microsoft.com/office/powerpoint/2010/main" val="1942771155"/>
+      </p:ext>
+    </p:extLst>
+  </p:cSld>
+  <p:clrMapOvr>
+    <a:masterClrMapping/>
+  </p:clrMapOvr>
+</p:sld>
+</file>
+
+<file path=ppt/slides/slide11.xml><?xml version="1.0" encoding="utf-8"?>
+<p:sld xmlns:a="http://schemas.openxmlformats.org/drawingml/2006/main" xmlns:r="http://schemas.openxmlformats.org/officeDocument/2006/relationships" xmlns:p="http://schemas.openxmlformats.org/presentationml/2006/main">
+  <p:cSld>
+    <p:spTree>
+      <p:nvGrpSpPr>
+        <p:cNvPr id="1" name=""/>
+        <p:cNvGrpSpPr/>
+        <p:nvPr/>
+      </p:nvGrpSpPr>
+      <p:grpSpPr>
+        <a:xfrm>
+          <a:off x="0" y="0"/>
+          <a:ext cx="0" cy="0"/>
+          <a:chOff x="0" y="0"/>
+          <a:chExt cx="0" cy="0"/>
+        </a:xfrm>
+      </p:grpSpPr>
+      <p:sp>
+        <p:nvSpPr>
+          <p:cNvPr id="2" name="제목 1">
+            <a:extLst>
+              <a:ext uri="{FF2B5EF4-FFF2-40B4-BE49-F238E27FC236}">
+                <a16:creationId xmlns:a16="http://schemas.microsoft.com/office/drawing/2014/main" id="{49D8BF82-92C5-4894-A764-2CE82D753F1E}"/>
+              </a:ext>
+            </a:extLst>
+          </p:cNvPr>
+          <p:cNvSpPr>
+            <a:spLocks noGrp="1"/>
+          </p:cNvSpPr>
+          <p:nvPr>
+            <p:ph type="title"/>
+          </p:nvPr>
+        </p:nvSpPr>
+        <p:spPr/>
+        <p:txBody>
+          <a:bodyPr/>
+          <a:lstStyle/>
+          <a:p>
+            <a:r>
+              <a:rPr lang="en-US" altLang="ko-KR" dirty="0"/>
+              <a:t>Random</a:t>
+            </a:r>
+            <a:r>
+              <a:rPr lang="ko-KR" altLang="en-US" dirty="0"/>
+              <a:t> </a:t>
+            </a:r>
+            <a:r>
+              <a:rPr lang="en-US" altLang="ko-KR" dirty="0"/>
+              <a:t>forest</a:t>
+            </a:r>
+            <a:endParaRPr lang="ko-KR" altLang="en-US" dirty="0"/>
+          </a:p>
+        </p:txBody>
+      </p:sp>
+      <p:sp>
+        <p:nvSpPr>
+          <p:cNvPr id="3" name="내용 개체 틀 2">
+            <a:extLst>
+              <a:ext uri="{FF2B5EF4-FFF2-40B4-BE49-F238E27FC236}">
+                <a16:creationId xmlns:a16="http://schemas.microsoft.com/office/drawing/2014/main" id="{28C85EA2-0DBF-4C45-8BCC-C8C274D5B85D}"/>
+              </a:ext>
+            </a:extLst>
+          </p:cNvPr>
+          <p:cNvSpPr>
+            <a:spLocks noGrp="1"/>
+          </p:cNvSpPr>
+          <p:nvPr>
+            <p:ph idx="1"/>
+          </p:nvPr>
+        </p:nvSpPr>
+        <p:spPr/>
+        <p:txBody>
+          <a:bodyPr/>
+          <a:lstStyle/>
+          <a:p>
+            <a:r>
+              <a:rPr lang="ko-KR" altLang="en-US" dirty="0"/>
+              <a:t>임의 노드 최적화</a:t>
+            </a:r>
+            <a:r>
+              <a:rPr lang="en-US" altLang="ko-KR" dirty="0"/>
+              <a:t>(randomized node optimization, RNO)</a:t>
+            </a:r>
+            <a:r>
+              <a:rPr lang="ko-KR" altLang="en-US" dirty="0"/>
+              <a:t>와 </a:t>
+            </a:r>
+            <a:r>
+              <a:rPr lang="ko-KR" altLang="en-US" dirty="0" err="1">
+                <a:hlinkClick r:id="rId2" tooltip="배깅"/>
+              </a:rPr>
+              <a:t>배깅</a:t>
+            </a:r>
+            <a:r>
+              <a:rPr lang="en-US" altLang="ko-KR" dirty="0"/>
+              <a:t>(bootstrap aggregating, bagging)</a:t>
+            </a:r>
+            <a:r>
+              <a:rPr lang="ko-KR" altLang="en-US" dirty="0"/>
+              <a:t>을 결합한 방법과 같은 </a:t>
+            </a:r>
+            <a:r>
+              <a:rPr lang="en-US" altLang="ko-KR" dirty="0">
+                <a:hlinkClick r:id="rId3" tooltip="CART (없는 문서)"/>
+              </a:rPr>
+              <a:t>CART</a:t>
+            </a:r>
+            <a:r>
+              <a:rPr lang="en-US" altLang="ko-KR" dirty="0"/>
+              <a:t>(classification and regression tree)</a:t>
+            </a:r>
+            <a:r>
+              <a:rPr lang="ko-KR" altLang="en-US" dirty="0"/>
+              <a:t>를 사용</a:t>
+            </a:r>
+            <a:endParaRPr lang="en-US" altLang="ko-KR" dirty="0"/>
+          </a:p>
+          <a:p>
+            <a:endParaRPr lang="en-US" altLang="ko-KR" dirty="0"/>
+          </a:p>
+          <a:p>
+            <a:r>
+              <a:rPr lang="en-US" altLang="ko-KR" dirty="0"/>
+              <a:t>Robust to noise</a:t>
+            </a:r>
+            <a:endParaRPr lang="ko-KR" altLang="en-US" dirty="0"/>
+          </a:p>
+        </p:txBody>
+      </p:sp>
+    </p:spTree>
+    <p:extLst>
+      <p:ext uri="{BB962C8B-B14F-4D97-AF65-F5344CB8AC3E}">
+        <p14:creationId xmlns:p14="http://schemas.microsoft.com/office/powerpoint/2010/main" val="2234626363"/>
+      </p:ext>
+    </p:extLst>
+  </p:cSld>
+  <p:clrMapOvr>
+    <a:masterClrMapping/>
+  </p:clrMapOvr>
+</p:sld>
+</file>
+
+<file path=ppt/slides/slide12.xml><?xml version="1.0" encoding="utf-8"?>
+<p:sld xmlns:a="http://schemas.openxmlformats.org/drawingml/2006/main" xmlns:r="http://schemas.openxmlformats.org/officeDocument/2006/relationships" xmlns:p="http://schemas.openxmlformats.org/presentationml/2006/main">
+  <p:cSld>
+    <p:spTree>
+      <p:nvGrpSpPr>
+        <p:cNvPr id="1" name=""/>
+        <p:cNvGrpSpPr/>
+        <p:nvPr/>
+      </p:nvGrpSpPr>
+      <p:grpSpPr>
+        <a:xfrm>
+          <a:off x="0" y="0"/>
+          <a:ext cx="0" cy="0"/>
+          <a:chOff x="0" y="0"/>
+          <a:chExt cx="0" cy="0"/>
+        </a:xfrm>
+      </p:grpSpPr>
+      <p:sp>
+        <p:nvSpPr>
+          <p:cNvPr id="2" name="제목 1">
+            <a:extLst>
+              <a:ext uri="{FF2B5EF4-FFF2-40B4-BE49-F238E27FC236}">
+                <a16:creationId xmlns:a16="http://schemas.microsoft.com/office/drawing/2014/main" id="{B6D33F64-7030-490D-B923-50543A8360C1}"/>
+              </a:ext>
+            </a:extLst>
+          </p:cNvPr>
+          <p:cNvSpPr>
+            <a:spLocks noGrp="1"/>
+          </p:cNvSpPr>
+          <p:nvPr>
+            <p:ph type="title"/>
+          </p:nvPr>
+        </p:nvSpPr>
+        <p:spPr/>
+        <p:txBody>
+          <a:bodyPr/>
+          <a:lstStyle/>
+          <a:p>
+            <a:r>
+              <a:rPr lang="en-US" altLang="ko-KR" dirty="0"/>
+              <a:t>Most often used algorithm</a:t>
+            </a:r>
+            <a:endParaRPr lang="ko-KR" altLang="en-US" dirty="0"/>
+          </a:p>
+        </p:txBody>
+      </p:sp>
+      <p:sp>
+        <p:nvSpPr>
+          <p:cNvPr id="3" name="내용 개체 틀 2">
+            <a:extLst>
+              <a:ext uri="{FF2B5EF4-FFF2-40B4-BE49-F238E27FC236}">
+                <a16:creationId xmlns:a16="http://schemas.microsoft.com/office/drawing/2014/main" id="{B2E89A85-B7EB-417B-90BF-1EF8FB86F56B}"/>
+              </a:ext>
+            </a:extLst>
+          </p:cNvPr>
+          <p:cNvSpPr>
+            <a:spLocks noGrp="1"/>
+          </p:cNvSpPr>
+          <p:nvPr>
+            <p:ph idx="1"/>
+          </p:nvPr>
+        </p:nvSpPr>
+        <p:spPr/>
+        <p:txBody>
+          <a:bodyPr/>
+          <a:lstStyle/>
+          <a:p>
+            <a:r>
+              <a:rPr lang="en-US" altLang="ko-KR" dirty="0"/>
+              <a:t>ID3 -&gt; C4.5 -&gt; C5.0</a:t>
+            </a:r>
+            <a:endParaRPr lang="ko-KR" altLang="en-US" dirty="0"/>
+          </a:p>
+        </p:txBody>
+      </p:sp>
+    </p:spTree>
+    <p:extLst>
+      <p:ext uri="{BB962C8B-B14F-4D97-AF65-F5344CB8AC3E}">
+        <p14:creationId xmlns:p14="http://schemas.microsoft.com/office/powerpoint/2010/main" val="3821309328"/>
+      </p:ext>
+    </p:extLst>
+  </p:cSld>
+  <p:clrMapOvr>
+    <a:masterClrMapping/>
+  </p:clrMapOvr>
+</p:sld>
+</file>
+
+<file path=ppt/slides/slide13.xml><?xml version="1.0" encoding="utf-8"?>
+<p:sld xmlns:a="http://schemas.openxmlformats.org/drawingml/2006/main" xmlns:r="http://schemas.openxmlformats.org/officeDocument/2006/relationships" xmlns:p="http://schemas.openxmlformats.org/presentationml/2006/main">
+  <p:cSld>
+    <p:spTree>
+      <p:nvGrpSpPr>
+        <p:cNvPr id="1" name=""/>
+        <p:cNvGrpSpPr/>
+        <p:nvPr/>
+      </p:nvGrpSpPr>
+      <p:grpSpPr>
+        <a:xfrm>
+          <a:off x="0" y="0"/>
+          <a:ext cx="0" cy="0"/>
+          <a:chOff x="0" y="0"/>
+          <a:chExt cx="0" cy="0"/>
+        </a:xfrm>
+      </p:grpSpPr>
+      <p:sp>
+        <p:nvSpPr>
+          <p:cNvPr id="2" name="제목 1">
+            <a:extLst>
+              <a:ext uri="{FF2B5EF4-FFF2-40B4-BE49-F238E27FC236}">
+                <a16:creationId xmlns:a16="http://schemas.microsoft.com/office/drawing/2014/main" id="{22DB5A50-C2A9-495A-BEDC-6E63E0A32443}"/>
+              </a:ext>
+            </a:extLst>
+          </p:cNvPr>
+          <p:cNvSpPr>
+            <a:spLocks noGrp="1"/>
+          </p:cNvSpPr>
+          <p:nvPr>
+            <p:ph type="title"/>
+          </p:nvPr>
+        </p:nvSpPr>
+        <p:spPr/>
+        <p:txBody>
+          <a:bodyPr/>
+          <a:lstStyle/>
+          <a:p>
+            <a:r>
+              <a:rPr lang="en-US" altLang="ko-KR" dirty="0"/>
+              <a:t>pruning</a:t>
+            </a:r>
+            <a:endParaRPr lang="ko-KR" altLang="en-US" dirty="0"/>
+          </a:p>
+        </p:txBody>
+      </p:sp>
+      <p:sp>
+        <p:nvSpPr>
+          <p:cNvPr id="3" name="내용 개체 틀 2">
+            <a:extLst>
+              <a:ext uri="{FF2B5EF4-FFF2-40B4-BE49-F238E27FC236}">
+                <a16:creationId xmlns:a16="http://schemas.microsoft.com/office/drawing/2014/main" id="{74F300D4-3639-4F54-99E6-18BFD8CEFEE7}"/>
+              </a:ext>
+            </a:extLst>
+          </p:cNvPr>
+          <p:cNvSpPr>
+            <a:spLocks noGrp="1"/>
+          </p:cNvSpPr>
+          <p:nvPr>
+            <p:ph idx="1"/>
+          </p:nvPr>
+        </p:nvSpPr>
+        <p:spPr/>
+        <p:txBody>
+          <a:bodyPr/>
+          <a:lstStyle/>
+          <a:p>
+            <a:endParaRPr lang="ko-KR" altLang="en-US" dirty="0"/>
+          </a:p>
+        </p:txBody>
+      </p:sp>
+    </p:spTree>
+    <p:extLst>
+      <p:ext uri="{BB962C8B-B14F-4D97-AF65-F5344CB8AC3E}">
+        <p14:creationId xmlns:p14="http://schemas.microsoft.com/office/powerpoint/2010/main" val="3038136804"/>
+      </p:ext>
+    </p:extLst>
+  </p:cSld>
+  <p:clrMapOvr>
+    <a:masterClrMapping/>
+  </p:clrMapOvr>
+</p:sld>
+</file>
+
 <file path=ppt/slides/slide2.xml><?xml version="1.0" encoding="utf-8"?>
 <p:sld xmlns:a="http://schemas.openxmlformats.org/drawingml/2006/main" xmlns:r="http://schemas.openxmlformats.org/officeDocument/2006/relationships" xmlns:p="http://schemas.openxmlformats.org/presentationml/2006/main">
   <p:cSld>
@@ -5071,7 +5498,7 @@
         <p:spPr>
           <a:xfrm>
             <a:off x="5245768" y="5639484"/>
-            <a:ext cx="6306919" cy="923330"/>
+            <a:ext cx="6306919" cy="1200329"/>
           </a:xfrm>
           <a:prstGeom prst="rect">
             <a:avLst/>
@@ -5100,7 +5527,40 @@
               <a:rPr lang="en-US" altLang="ko-KR" dirty="0"/>
               <a:t>(choose attribute that results in greatest information gain)</a:t>
             </a:r>
-            <a:endParaRPr lang="ko-KR" altLang="en-US" dirty="0"/>
+          </a:p>
+          <a:p>
+            <a:r>
+              <a:rPr lang="en-US" altLang="ko-KR" dirty="0"/>
+              <a:t>-&gt;</a:t>
+            </a:r>
+            <a:r>
+              <a:rPr lang="ko-KR" altLang="en-US" dirty="0"/>
+              <a:t>많은 </a:t>
+            </a:r>
+            <a:r>
+              <a:rPr lang="en-US" altLang="ko-KR" dirty="0"/>
+              <a:t>attribute</a:t>
+            </a:r>
+            <a:r>
+              <a:rPr lang="ko-KR" altLang="en-US" dirty="0"/>
+              <a:t> </a:t>
+            </a:r>
+            <a:r>
+              <a:rPr lang="en-US" altLang="ko-KR" dirty="0"/>
+              <a:t>values</a:t>
+            </a:r>
+            <a:r>
+              <a:rPr lang="ko-KR" altLang="en-US" dirty="0"/>
+              <a:t>를 가지는 </a:t>
+            </a:r>
+            <a:r>
+              <a:rPr lang="en-US" altLang="ko-KR" dirty="0"/>
+              <a:t>attribution</a:t>
+            </a:r>
+            <a:r>
+              <a:rPr lang="ko-KR" altLang="en-US" dirty="0"/>
+              <a:t>을 선호함</a:t>
+            </a:r>
           </a:p>
         </p:txBody>
       </p:sp>
@@ -5181,6 +5641,985 @@
           <p:cNvPr id="2" name="제목 1">
             <a:extLst>
               <a:ext uri="{FF2B5EF4-FFF2-40B4-BE49-F238E27FC236}">
+                <a16:creationId xmlns:a16="http://schemas.microsoft.com/office/drawing/2014/main" id="{760B6E26-29B4-4A40-B515-10D66A8A1CFA}"/>
+              </a:ext>
+            </a:extLst>
+          </p:cNvPr>
+          <p:cNvSpPr>
+            <a:spLocks noGrp="1"/>
+          </p:cNvSpPr>
+          <p:nvPr>
+            <p:ph type="title"/>
+          </p:nvPr>
+        </p:nvSpPr>
+        <p:spPr/>
+        <p:txBody>
+          <a:bodyPr/>
+          <a:lstStyle/>
+          <a:p>
+            <a:r>
+              <a:rPr lang="en-US" altLang="ko-KR" dirty="0"/>
+              <a:t>A criterion for attribute selection</a:t>
+            </a:r>
+            <a:endParaRPr lang="ko-KR" altLang="en-US" dirty="0"/>
+          </a:p>
+        </p:txBody>
+      </p:sp>
+      <p:sp>
+        <p:nvSpPr>
+          <p:cNvPr id="3" name="내용 개체 틀 2">
+            <a:extLst>
+              <a:ext uri="{FF2B5EF4-FFF2-40B4-BE49-F238E27FC236}">
+                <a16:creationId xmlns:a16="http://schemas.microsoft.com/office/drawing/2014/main" id="{46B3F697-71AC-4320-B22F-492288C82840}"/>
+              </a:ext>
+            </a:extLst>
+          </p:cNvPr>
+          <p:cNvSpPr>
+            <a:spLocks noGrp="1"/>
+          </p:cNvSpPr>
+          <p:nvPr>
+            <p:ph idx="1"/>
+          </p:nvPr>
+        </p:nvSpPr>
+        <p:spPr/>
+        <p:txBody>
+          <a:bodyPr/>
+          <a:lstStyle/>
+          <a:p>
+            <a:r>
+              <a:rPr lang="en-US" altLang="ko-KR" dirty="0"/>
+              <a:t>The one which will result in the </a:t>
+            </a:r>
+            <a:r>
+              <a:rPr lang="en-US" altLang="ko-KR" b="1" dirty="0"/>
+              <a:t>smallest tree</a:t>
+            </a:r>
+          </a:p>
+          <a:p>
+            <a:r>
+              <a:rPr lang="en-US" altLang="ko-KR" dirty="0"/>
+              <a:t>Heuristic: choose the </a:t>
+            </a:r>
+            <a:r>
+              <a:rPr lang="en-US" altLang="ko-KR" dirty="0" err="1"/>
+              <a:t>arrtribute</a:t>
+            </a:r>
+            <a:r>
+              <a:rPr lang="en-US" altLang="ko-KR" dirty="0"/>
+              <a:t> that produces the “</a:t>
+            </a:r>
+            <a:r>
+              <a:rPr lang="en-US" altLang="ko-KR" b="1" dirty="0"/>
+              <a:t>purest</a:t>
+            </a:r>
+            <a:r>
+              <a:rPr lang="en-US" altLang="ko-KR" dirty="0"/>
+              <a:t>” nodes</a:t>
+            </a:r>
+          </a:p>
+          <a:p>
+            <a:r>
+              <a:rPr lang="en-US" altLang="ko-KR" dirty="0"/>
+              <a:t>Choose</a:t>
+            </a:r>
+            <a:r>
+              <a:rPr lang="ko-KR" altLang="en-US" dirty="0"/>
+              <a:t> </a:t>
+            </a:r>
+            <a:r>
+              <a:rPr lang="en-US" altLang="ko-KR" dirty="0"/>
+              <a:t>the</a:t>
+            </a:r>
+            <a:r>
+              <a:rPr lang="ko-KR" altLang="en-US" dirty="0"/>
+              <a:t> </a:t>
+            </a:r>
+            <a:r>
+              <a:rPr lang="en-US" altLang="ko-KR" dirty="0"/>
+              <a:t>attribute</a:t>
+            </a:r>
+            <a:r>
+              <a:rPr lang="ko-KR" altLang="en-US" dirty="0"/>
+              <a:t> </a:t>
+            </a:r>
+            <a:r>
+              <a:rPr lang="en-US" altLang="ko-KR" dirty="0"/>
+              <a:t>that</a:t>
+            </a:r>
+            <a:r>
+              <a:rPr lang="ko-KR" altLang="en-US" dirty="0"/>
+              <a:t> </a:t>
+            </a:r>
+            <a:r>
+              <a:rPr lang="en-US" altLang="ko-KR" dirty="0"/>
+              <a:t>results</a:t>
+            </a:r>
+            <a:r>
+              <a:rPr lang="ko-KR" altLang="en-US" dirty="0"/>
+              <a:t> </a:t>
+            </a:r>
+            <a:r>
+              <a:rPr lang="en-US" altLang="ko-KR" dirty="0"/>
+              <a:t>in</a:t>
+            </a:r>
+            <a:r>
+              <a:rPr lang="ko-KR" altLang="en-US" dirty="0"/>
+              <a:t> </a:t>
+            </a:r>
+            <a:r>
+              <a:rPr lang="en-US" altLang="ko-KR" b="1" dirty="0" err="1"/>
+              <a:t>greates</a:t>
+            </a:r>
+            <a:r>
+              <a:rPr lang="ko-KR" altLang="en-US" b="1" dirty="0"/>
+              <a:t> </a:t>
+            </a:r>
+            <a:r>
+              <a:rPr lang="en-US" altLang="ko-KR" b="1" dirty="0"/>
+              <a:t>information</a:t>
+            </a:r>
+            <a:r>
+              <a:rPr lang="ko-KR" altLang="en-US" b="1" dirty="0"/>
+              <a:t> </a:t>
+            </a:r>
+            <a:r>
+              <a:rPr lang="en-US" altLang="ko-KR" b="1" dirty="0"/>
+              <a:t>gain</a:t>
+            </a:r>
+          </a:p>
+          <a:p>
+            <a:pPr marL="0" indent="0">
+              <a:buNone/>
+            </a:pPr>
+            <a:r>
+              <a:rPr lang="en-US" altLang="ko-KR" b="1" dirty="0"/>
+              <a:t>(</a:t>
+            </a:r>
+            <a:r>
+              <a:rPr lang="ko-KR" altLang="en-US" b="1" dirty="0"/>
+              <a:t>다양한 속성값을 가지는 </a:t>
+            </a:r>
+            <a:r>
+              <a:rPr lang="en-US" altLang="ko-KR" b="1" dirty="0" err="1"/>
+              <a:t>attribut</a:t>
+            </a:r>
+            <a:r>
+              <a:rPr lang="ko-KR" altLang="en-US" b="1" dirty="0"/>
+              <a:t>선호</a:t>
+            </a:r>
+            <a:r>
+              <a:rPr lang="en-US" altLang="ko-KR" b="1" dirty="0"/>
+              <a:t>)</a:t>
+            </a:r>
+          </a:p>
+          <a:p>
+            <a:endParaRPr lang="en-US" altLang="ko-KR" b="1" dirty="0"/>
+          </a:p>
+          <a:p>
+            <a:r>
+              <a:rPr lang="en-US" altLang="ko-KR" dirty="0"/>
+              <a:t>Choose the </a:t>
+            </a:r>
+            <a:r>
+              <a:rPr lang="en-US" altLang="ko-KR" dirty="0" err="1"/>
+              <a:t>arrtibute</a:t>
+            </a:r>
+            <a:r>
+              <a:rPr lang="en-US" altLang="ko-KR" dirty="0"/>
+              <a:t> that results in </a:t>
+            </a:r>
+            <a:r>
+              <a:rPr lang="en-US" altLang="ko-KR" b="1" dirty="0"/>
+              <a:t>greatest Gain Ratio</a:t>
+            </a:r>
+          </a:p>
+          <a:p>
+            <a:endParaRPr lang="en-US" altLang="ko-KR" dirty="0"/>
+          </a:p>
+          <a:p>
+            <a:endParaRPr lang="en-US" altLang="ko-KR" dirty="0"/>
+          </a:p>
+        </p:txBody>
+      </p:sp>
+    </p:spTree>
+    <p:extLst>
+      <p:ext uri="{BB962C8B-B14F-4D97-AF65-F5344CB8AC3E}">
+        <p14:creationId xmlns:p14="http://schemas.microsoft.com/office/powerpoint/2010/main" val="3132175249"/>
+      </p:ext>
+    </p:extLst>
+  </p:cSld>
+  <p:clrMapOvr>
+    <a:masterClrMapping/>
+  </p:clrMapOvr>
+</p:sld>
+</file>
+
+<file path=ppt/slides/slide6.xml><?xml version="1.0" encoding="utf-8"?>
+<p:sld xmlns:a="http://schemas.openxmlformats.org/drawingml/2006/main" xmlns:r="http://schemas.openxmlformats.org/officeDocument/2006/relationships" xmlns:p="http://schemas.openxmlformats.org/presentationml/2006/main">
+  <p:cSld>
+    <p:spTree>
+      <p:nvGrpSpPr>
+        <p:cNvPr id="1" name=""/>
+        <p:cNvGrpSpPr/>
+        <p:nvPr/>
+      </p:nvGrpSpPr>
+      <p:grpSpPr>
+        <a:xfrm>
+          <a:off x="0" y="0"/>
+          <a:ext cx="0" cy="0"/>
+          <a:chOff x="0" y="0"/>
+          <a:chExt cx="0" cy="0"/>
+        </a:xfrm>
+      </p:grpSpPr>
+      <p:sp>
+        <p:nvSpPr>
+          <p:cNvPr id="2" name="제목 1">
+            <a:extLst>
+              <a:ext uri="{FF2B5EF4-FFF2-40B4-BE49-F238E27FC236}">
+                <a16:creationId xmlns:a16="http://schemas.microsoft.com/office/drawing/2014/main" id="{0E1A4B5C-061A-4967-B882-69BAF074C83B}"/>
+              </a:ext>
+            </a:extLst>
+          </p:cNvPr>
+          <p:cNvSpPr>
+            <a:spLocks noGrp="1"/>
+          </p:cNvSpPr>
+          <p:nvPr>
+            <p:ph type="title"/>
+          </p:nvPr>
+        </p:nvSpPr>
+        <p:spPr/>
+        <p:txBody>
+          <a:bodyPr/>
+          <a:lstStyle/>
+          <a:p>
+            <a:r>
+              <a:rPr lang="en-US" altLang="ko-KR" dirty="0"/>
+              <a:t>Gain ratio</a:t>
+            </a:r>
+            <a:endParaRPr lang="ko-KR" altLang="en-US" dirty="0"/>
+          </a:p>
+        </p:txBody>
+      </p:sp>
+      <p:pic>
+        <p:nvPicPr>
+          <p:cNvPr id="4" name="내용 개체 틀 3">
+            <a:extLst>
+              <a:ext uri="{FF2B5EF4-FFF2-40B4-BE49-F238E27FC236}">
+                <a16:creationId xmlns:a16="http://schemas.microsoft.com/office/drawing/2014/main" id="{C3A405D1-CD50-4EFD-9C11-7F5C12AE6F85}"/>
+              </a:ext>
+            </a:extLst>
+          </p:cNvPr>
+          <p:cNvPicPr>
+            <a:picLocks noGrp="1" noChangeAspect="1"/>
+          </p:cNvPicPr>
+          <p:nvPr>
+            <p:ph idx="1"/>
+          </p:nvPr>
+        </p:nvPicPr>
+        <p:blipFill>
+          <a:blip r:embed="rId2"/>
+          <a:stretch>
+            <a:fillRect/>
+          </a:stretch>
+        </p:blipFill>
+        <p:spPr>
+          <a:xfrm>
+            <a:off x="838200" y="1587500"/>
+            <a:ext cx="5153575" cy="4351338"/>
+          </a:xfrm>
+          <a:prstGeom prst="rect">
+            <a:avLst/>
+          </a:prstGeom>
+        </p:spPr>
+      </p:pic>
+      <p:pic>
+        <p:nvPicPr>
+          <p:cNvPr id="5" name="그림 4">
+            <a:extLst>
+              <a:ext uri="{FF2B5EF4-FFF2-40B4-BE49-F238E27FC236}">
+                <a16:creationId xmlns:a16="http://schemas.microsoft.com/office/drawing/2014/main" id="{B38967E0-B594-482B-8451-8926A8295092}"/>
+              </a:ext>
+            </a:extLst>
+          </p:cNvPr>
+          <p:cNvPicPr>
+            <a:picLocks noChangeAspect="1"/>
+          </p:cNvPicPr>
+          <p:nvPr/>
+        </p:nvPicPr>
+        <p:blipFill>
+          <a:blip r:embed="rId3"/>
+          <a:stretch>
+            <a:fillRect/>
+          </a:stretch>
+        </p:blipFill>
+        <p:spPr>
+          <a:xfrm>
+            <a:off x="6200227" y="1715294"/>
+            <a:ext cx="5367338" cy="2047875"/>
+          </a:xfrm>
+          <a:prstGeom prst="rect">
+            <a:avLst/>
+          </a:prstGeom>
+        </p:spPr>
+      </p:pic>
+      <p:sp>
+        <p:nvSpPr>
+          <p:cNvPr id="6" name="TextBox 5">
+            <a:extLst>
+              <a:ext uri="{FF2B5EF4-FFF2-40B4-BE49-F238E27FC236}">
+                <a16:creationId xmlns:a16="http://schemas.microsoft.com/office/drawing/2014/main" id="{A9C358F7-CCF1-4581-AD2E-06E8224FA5E7}"/>
+              </a:ext>
+            </a:extLst>
+          </p:cNvPr>
+          <p:cNvSpPr txBox="1"/>
+          <p:nvPr/>
+        </p:nvSpPr>
+        <p:spPr>
+          <a:xfrm>
+            <a:off x="6410960" y="4074160"/>
+            <a:ext cx="2952988" cy="923330"/>
+          </a:xfrm>
+          <a:prstGeom prst="rect">
+            <a:avLst/>
+          </a:prstGeom>
+          <a:noFill/>
+        </p:spPr>
+        <p:txBody>
+          <a:bodyPr wrap="none" rtlCol="0">
+            <a:spAutoFit/>
+          </a:bodyPr>
+          <a:lstStyle/>
+          <a:p>
+            <a:r>
+              <a:rPr lang="en-US" altLang="ko-KR" dirty="0"/>
+              <a:t>Each leaf node is </a:t>
+            </a:r>
+            <a:r>
+              <a:rPr lang="en-US" altLang="ko-KR" b="1" dirty="0"/>
+              <a:t>Pure</a:t>
+            </a:r>
+          </a:p>
+          <a:p>
+            <a:endParaRPr lang="en-US" altLang="ko-KR" dirty="0"/>
+          </a:p>
+          <a:p>
+            <a:r>
+              <a:rPr lang="en-US" altLang="ko-KR" b="1" dirty="0"/>
+              <a:t>Maximal</a:t>
+            </a:r>
+            <a:r>
+              <a:rPr lang="en-US" altLang="ko-KR" dirty="0"/>
+              <a:t> </a:t>
+            </a:r>
+            <a:r>
+              <a:rPr lang="en-US" altLang="ko-KR" dirty="0" err="1"/>
+              <a:t>Infromation</a:t>
+            </a:r>
+            <a:r>
+              <a:rPr lang="en-US" altLang="ko-KR" dirty="0"/>
+              <a:t> gain</a:t>
+            </a:r>
+            <a:endParaRPr lang="ko-KR" altLang="en-US" dirty="0"/>
+          </a:p>
+        </p:txBody>
+      </p:sp>
+      <p:sp>
+        <p:nvSpPr>
+          <p:cNvPr id="7" name="화살표: 오른쪽 6">
+            <a:extLst>
+              <a:ext uri="{FF2B5EF4-FFF2-40B4-BE49-F238E27FC236}">
+                <a16:creationId xmlns:a16="http://schemas.microsoft.com/office/drawing/2014/main" id="{B746B14C-DF90-4AD8-8262-166E71065B48}"/>
+              </a:ext>
+            </a:extLst>
+          </p:cNvPr>
+          <p:cNvSpPr/>
+          <p:nvPr/>
+        </p:nvSpPr>
+        <p:spPr>
+          <a:xfrm>
+            <a:off x="838200" y="6202045"/>
+            <a:ext cx="1143000" cy="365760"/>
+          </a:xfrm>
+          <a:prstGeom prst="rightArrow">
+            <a:avLst/>
+          </a:prstGeom>
+        </p:spPr>
+        <p:style>
+          <a:lnRef idx="2">
+            <a:schemeClr val="accent1">
+              <a:shade val="50000"/>
+            </a:schemeClr>
+          </a:lnRef>
+          <a:fillRef idx="1">
+            <a:schemeClr val="accent1"/>
+          </a:fillRef>
+          <a:effectRef idx="0">
+            <a:schemeClr val="accent1"/>
+          </a:effectRef>
+          <a:fontRef idx="minor">
+            <a:schemeClr val="lt1"/>
+          </a:fontRef>
+        </p:style>
+        <p:txBody>
+          <a:bodyPr rtlCol="0" anchor="ctr"/>
+          <a:lstStyle/>
+          <a:p>
+            <a:pPr algn="ctr"/>
+            <a:endParaRPr lang="ko-KR" altLang="en-US"/>
+          </a:p>
+        </p:txBody>
+      </p:sp>
+      <p:sp>
+        <p:nvSpPr>
+          <p:cNvPr id="8" name="TextBox 7">
+            <a:extLst>
+              <a:ext uri="{FF2B5EF4-FFF2-40B4-BE49-F238E27FC236}">
+                <a16:creationId xmlns:a16="http://schemas.microsoft.com/office/drawing/2014/main" id="{F4BD6C3C-EDC5-44C2-AA8D-A94F58EE784A}"/>
+              </a:ext>
+            </a:extLst>
+          </p:cNvPr>
+          <p:cNvSpPr txBox="1"/>
+          <p:nvPr/>
+        </p:nvSpPr>
+        <p:spPr>
+          <a:xfrm>
+            <a:off x="2066925" y="5974239"/>
+            <a:ext cx="9466118" cy="830997"/>
+          </a:xfrm>
+          <a:prstGeom prst="rect">
+            <a:avLst/>
+          </a:prstGeom>
+          <a:noFill/>
+        </p:spPr>
+        <p:txBody>
+          <a:bodyPr wrap="none" rtlCol="0">
+            <a:spAutoFit/>
+          </a:bodyPr>
+          <a:lstStyle/>
+          <a:p>
+            <a:r>
+              <a:rPr lang="en-US" altLang="ko-KR" sz="2400" dirty="0">
+                <a:solidFill>
+                  <a:schemeClr val="accent1"/>
+                </a:solidFill>
+              </a:rPr>
+              <a:t>Gain ratio reduces its bias on high-branch attribute</a:t>
+            </a:r>
+          </a:p>
+          <a:p>
+            <a:r>
+              <a:rPr lang="en-US" altLang="ko-KR" sz="2400" dirty="0">
+                <a:solidFill>
+                  <a:schemeClr val="accent1"/>
+                </a:solidFill>
+              </a:rPr>
+              <a:t>(</a:t>
+            </a:r>
+            <a:r>
+              <a:rPr lang="ko-KR" altLang="en-US" sz="2400" dirty="0">
+                <a:solidFill>
+                  <a:schemeClr val="accent1"/>
+                </a:solidFill>
+              </a:rPr>
+              <a:t>너무 과도한 </a:t>
+            </a:r>
+            <a:r>
+              <a:rPr lang="en-US" altLang="ko-KR" sz="2400" dirty="0">
+                <a:solidFill>
+                  <a:schemeClr val="accent1"/>
+                </a:solidFill>
+              </a:rPr>
+              <a:t>information gain</a:t>
+            </a:r>
+            <a:r>
+              <a:rPr lang="ko-KR" altLang="en-US" sz="2400" dirty="0">
+                <a:solidFill>
+                  <a:schemeClr val="accent1"/>
+                </a:solidFill>
+              </a:rPr>
+              <a:t>값을 가지는 </a:t>
+            </a:r>
+            <a:r>
+              <a:rPr lang="en-US" altLang="ko-KR" sz="2400" dirty="0">
+                <a:solidFill>
+                  <a:schemeClr val="accent1"/>
+                </a:solidFill>
+              </a:rPr>
+              <a:t>attribute </a:t>
+            </a:r>
+            <a:r>
+              <a:rPr lang="ko-KR" altLang="en-US" sz="2400" dirty="0">
+                <a:solidFill>
+                  <a:schemeClr val="accent1"/>
+                </a:solidFill>
+              </a:rPr>
+              <a:t>를 </a:t>
+            </a:r>
+            <a:r>
+              <a:rPr lang="ko-KR" altLang="en-US" sz="2400" dirty="0" err="1">
+                <a:solidFill>
+                  <a:schemeClr val="accent1"/>
+                </a:solidFill>
+              </a:rPr>
+              <a:t>약화시켜줌</a:t>
+            </a:r>
+            <a:r>
+              <a:rPr lang="en-US" altLang="ko-KR" sz="2400" dirty="0">
+                <a:solidFill>
+                  <a:schemeClr val="accent1"/>
+                </a:solidFill>
+              </a:rPr>
+              <a:t>)</a:t>
+            </a:r>
+            <a:endParaRPr lang="ko-KR" altLang="en-US" sz="2400" dirty="0">
+              <a:solidFill>
+                <a:schemeClr val="accent1"/>
+              </a:solidFill>
+            </a:endParaRPr>
+          </a:p>
+        </p:txBody>
+      </p:sp>
+      <p:cxnSp>
+        <p:nvCxnSpPr>
+          <p:cNvPr id="10" name="직선 화살표 연결선 9">
+            <a:extLst>
+              <a:ext uri="{FF2B5EF4-FFF2-40B4-BE49-F238E27FC236}">
+                <a16:creationId xmlns:a16="http://schemas.microsoft.com/office/drawing/2014/main" id="{C35A22BB-FE0E-441A-999C-89A5691E9878}"/>
+              </a:ext>
+            </a:extLst>
+          </p:cNvPr>
+          <p:cNvCxnSpPr>
+            <a:cxnSpLocks/>
+          </p:cNvCxnSpPr>
+          <p:nvPr/>
+        </p:nvCxnSpPr>
+        <p:spPr>
+          <a:xfrm>
+            <a:off x="6896100" y="1587500"/>
+            <a:ext cx="714375" cy="803275"/>
+          </a:xfrm>
+          <a:prstGeom prst="straightConnector1">
+            <a:avLst/>
+          </a:prstGeom>
+          <a:ln>
+            <a:tailEnd type="triangle"/>
+          </a:ln>
+        </p:spPr>
+        <p:style>
+          <a:lnRef idx="1">
+            <a:schemeClr val="accent1"/>
+          </a:lnRef>
+          <a:fillRef idx="0">
+            <a:schemeClr val="accent1"/>
+          </a:fillRef>
+          <a:effectRef idx="0">
+            <a:schemeClr val="accent1"/>
+          </a:effectRef>
+          <a:fontRef idx="minor">
+            <a:schemeClr val="tx1"/>
+          </a:fontRef>
+        </p:style>
+      </p:cxnSp>
+      <p:sp>
+        <p:nvSpPr>
+          <p:cNvPr id="12" name="TextBox 11">
+            <a:extLst>
+              <a:ext uri="{FF2B5EF4-FFF2-40B4-BE49-F238E27FC236}">
+                <a16:creationId xmlns:a16="http://schemas.microsoft.com/office/drawing/2014/main" id="{68F56268-123B-4F3E-926E-D98EB4B3742D}"/>
+              </a:ext>
+            </a:extLst>
+          </p:cNvPr>
+          <p:cNvSpPr txBox="1"/>
+          <p:nvPr/>
+        </p:nvSpPr>
+        <p:spPr>
+          <a:xfrm>
+            <a:off x="6467655" y="1150343"/>
+            <a:ext cx="1571264" cy="369332"/>
+          </a:xfrm>
+          <a:prstGeom prst="rect">
+            <a:avLst/>
+          </a:prstGeom>
+          <a:noFill/>
+        </p:spPr>
+        <p:txBody>
+          <a:bodyPr wrap="none" rtlCol="0">
+            <a:spAutoFit/>
+          </a:bodyPr>
+          <a:lstStyle/>
+          <a:p>
+            <a:r>
+              <a:rPr lang="en-US" altLang="ko-KR" dirty="0">
+                <a:solidFill>
+                  <a:schemeClr val="accent1"/>
+                </a:solidFill>
+              </a:rPr>
+              <a:t>High -branch</a:t>
+            </a:r>
+            <a:endParaRPr lang="ko-KR" altLang="en-US" dirty="0">
+              <a:solidFill>
+                <a:schemeClr val="accent1"/>
+              </a:solidFill>
+            </a:endParaRPr>
+          </a:p>
+        </p:txBody>
+      </p:sp>
+    </p:spTree>
+    <p:extLst>
+      <p:ext uri="{BB962C8B-B14F-4D97-AF65-F5344CB8AC3E}">
+        <p14:creationId xmlns:p14="http://schemas.microsoft.com/office/powerpoint/2010/main" val="3317314884"/>
+      </p:ext>
+    </p:extLst>
+  </p:cSld>
+  <p:clrMapOvr>
+    <a:masterClrMapping/>
+  </p:clrMapOvr>
+</p:sld>
+</file>
+
+<file path=ppt/slides/slide7.xml><?xml version="1.0" encoding="utf-8"?>
+<p:sld xmlns:a="http://schemas.openxmlformats.org/drawingml/2006/main" xmlns:r="http://schemas.openxmlformats.org/officeDocument/2006/relationships" xmlns:p="http://schemas.openxmlformats.org/presentationml/2006/main">
+  <p:cSld>
+    <p:spTree>
+      <p:nvGrpSpPr>
+        <p:cNvPr id="1" name=""/>
+        <p:cNvGrpSpPr/>
+        <p:nvPr/>
+      </p:nvGrpSpPr>
+      <p:grpSpPr>
+        <a:xfrm>
+          <a:off x="0" y="0"/>
+          <a:ext cx="0" cy="0"/>
+          <a:chOff x="0" y="0"/>
+          <a:chExt cx="0" cy="0"/>
+        </a:xfrm>
+      </p:grpSpPr>
+      <p:sp>
+        <p:nvSpPr>
+          <p:cNvPr id="2" name="제목 1">
+            <a:extLst>
+              <a:ext uri="{FF2B5EF4-FFF2-40B4-BE49-F238E27FC236}">
+                <a16:creationId xmlns:a16="http://schemas.microsoft.com/office/drawing/2014/main" id="{406D7EAB-C9A2-4A78-BBBE-8CA767BF3BB0}"/>
+              </a:ext>
+            </a:extLst>
+          </p:cNvPr>
+          <p:cNvSpPr>
+            <a:spLocks noGrp="1"/>
+          </p:cNvSpPr>
+          <p:nvPr>
+            <p:ph type="title"/>
+          </p:nvPr>
+        </p:nvSpPr>
+        <p:spPr/>
+        <p:txBody>
+          <a:bodyPr/>
+          <a:lstStyle/>
+          <a:p>
+            <a:r>
+              <a:rPr lang="en-US" altLang="ko-KR" dirty="0"/>
+              <a:t>Gain ratio</a:t>
+            </a:r>
+            <a:endParaRPr lang="ko-KR" altLang="en-US" dirty="0"/>
+          </a:p>
+        </p:txBody>
+      </p:sp>
+      <p:sp>
+        <p:nvSpPr>
+          <p:cNvPr id="3" name="내용 개체 틀 2">
+            <a:extLst>
+              <a:ext uri="{FF2B5EF4-FFF2-40B4-BE49-F238E27FC236}">
+                <a16:creationId xmlns:a16="http://schemas.microsoft.com/office/drawing/2014/main" id="{BE387911-B0DC-4044-92F4-692A581BA39B}"/>
+              </a:ext>
+            </a:extLst>
+          </p:cNvPr>
+          <p:cNvSpPr>
+            <a:spLocks noGrp="1"/>
+          </p:cNvSpPr>
+          <p:nvPr>
+            <p:ph idx="1"/>
+          </p:nvPr>
+        </p:nvSpPr>
+        <p:spPr>
+          <a:xfrm>
+            <a:off x="838200" y="1825625"/>
+            <a:ext cx="10515600" cy="1079500"/>
+          </a:xfrm>
+        </p:spPr>
+        <p:txBody>
+          <a:bodyPr/>
+          <a:lstStyle/>
+          <a:p>
+            <a:r>
+              <a:rPr lang="en-US" altLang="ko-KR" dirty="0"/>
+              <a:t>Large</a:t>
+            </a:r>
+            <a:r>
+              <a:rPr lang="ko-KR" altLang="en-US" dirty="0"/>
+              <a:t> </a:t>
+            </a:r>
+            <a:r>
+              <a:rPr lang="en-US" altLang="ko-KR" dirty="0"/>
+              <a:t>when</a:t>
+            </a:r>
+            <a:r>
+              <a:rPr lang="ko-KR" altLang="en-US" dirty="0"/>
+              <a:t> </a:t>
+            </a:r>
+            <a:r>
+              <a:rPr lang="en-US" altLang="ko-KR" dirty="0"/>
+              <a:t>data</a:t>
+            </a:r>
+            <a:r>
+              <a:rPr lang="ko-KR" altLang="en-US" dirty="0"/>
+              <a:t> </a:t>
+            </a:r>
+            <a:r>
+              <a:rPr lang="en-US" altLang="ko-KR" dirty="0"/>
+              <a:t>is</a:t>
+            </a:r>
+            <a:r>
+              <a:rPr lang="ko-KR" altLang="en-US" dirty="0"/>
+              <a:t> </a:t>
+            </a:r>
+            <a:r>
+              <a:rPr lang="en-US" altLang="ko-KR" dirty="0"/>
+              <a:t>evenly</a:t>
+            </a:r>
+            <a:r>
+              <a:rPr lang="ko-KR" altLang="en-US" dirty="0"/>
+              <a:t> </a:t>
+            </a:r>
+            <a:r>
+              <a:rPr lang="en-US" altLang="ko-KR" dirty="0"/>
+              <a:t>spread</a:t>
+            </a:r>
+          </a:p>
+          <a:p>
+            <a:r>
+              <a:rPr lang="en-US" altLang="ko-KR" dirty="0"/>
+              <a:t>Small when all data belong to one branch</a:t>
+            </a:r>
+            <a:endParaRPr lang="ko-KR" altLang="en-US" dirty="0"/>
+          </a:p>
+        </p:txBody>
+      </p:sp>
+      <p:pic>
+        <p:nvPicPr>
+          <p:cNvPr id="4" name="그림 3">
+            <a:extLst>
+              <a:ext uri="{FF2B5EF4-FFF2-40B4-BE49-F238E27FC236}">
+                <a16:creationId xmlns:a16="http://schemas.microsoft.com/office/drawing/2014/main" id="{1895CAF7-B54E-4C1F-9A17-589FF6809FA8}"/>
+              </a:ext>
+            </a:extLst>
+          </p:cNvPr>
+          <p:cNvPicPr>
+            <a:picLocks noChangeAspect="1"/>
+          </p:cNvPicPr>
+          <p:nvPr/>
+        </p:nvPicPr>
+        <p:blipFill>
+          <a:blip r:embed="rId2"/>
+          <a:stretch>
+            <a:fillRect/>
+          </a:stretch>
+        </p:blipFill>
+        <p:spPr>
+          <a:xfrm>
+            <a:off x="838200" y="3040062"/>
+            <a:ext cx="6081150" cy="3573399"/>
+          </a:xfrm>
+          <a:prstGeom prst="rect">
+            <a:avLst/>
+          </a:prstGeom>
+        </p:spPr>
+      </p:pic>
+      <p:cxnSp>
+        <p:nvCxnSpPr>
+          <p:cNvPr id="6" name="직선 화살표 연결선 5">
+            <a:extLst>
+              <a:ext uri="{FF2B5EF4-FFF2-40B4-BE49-F238E27FC236}">
+                <a16:creationId xmlns:a16="http://schemas.microsoft.com/office/drawing/2014/main" id="{B4A62083-9D3C-462F-B97F-37C45943454D}"/>
+              </a:ext>
+            </a:extLst>
+          </p:cNvPr>
+          <p:cNvCxnSpPr/>
+          <p:nvPr/>
+        </p:nvCxnSpPr>
+        <p:spPr>
+          <a:xfrm flipH="1">
+            <a:off x="5943600" y="3429000"/>
+            <a:ext cx="1076325" cy="419100"/>
+          </a:xfrm>
+          <a:prstGeom prst="straightConnector1">
+            <a:avLst/>
+          </a:prstGeom>
+          <a:ln>
+            <a:tailEnd type="triangle"/>
+          </a:ln>
+        </p:spPr>
+        <p:style>
+          <a:lnRef idx="1">
+            <a:schemeClr val="accent1"/>
+          </a:lnRef>
+          <a:fillRef idx="0">
+            <a:schemeClr val="accent1"/>
+          </a:fillRef>
+          <a:effectRef idx="0">
+            <a:schemeClr val="accent1"/>
+          </a:effectRef>
+          <a:fontRef idx="minor">
+            <a:schemeClr val="tx1"/>
+          </a:fontRef>
+        </p:style>
+      </p:cxnSp>
+      <p:sp>
+        <p:nvSpPr>
+          <p:cNvPr id="7" name="TextBox 6">
+            <a:extLst>
+              <a:ext uri="{FF2B5EF4-FFF2-40B4-BE49-F238E27FC236}">
+                <a16:creationId xmlns:a16="http://schemas.microsoft.com/office/drawing/2014/main" id="{F6D44B6E-D2FB-4C5F-9B3B-7FE8C2E63A27}"/>
+              </a:ext>
+            </a:extLst>
+          </p:cNvPr>
+          <p:cNvSpPr txBox="1"/>
+          <p:nvPr/>
+        </p:nvSpPr>
+        <p:spPr>
+          <a:xfrm>
+            <a:off x="7200900" y="3295650"/>
+            <a:ext cx="2956579" cy="369332"/>
+          </a:xfrm>
+          <a:prstGeom prst="rect">
+            <a:avLst/>
+          </a:prstGeom>
+          <a:noFill/>
+        </p:spPr>
+        <p:txBody>
+          <a:bodyPr wrap="none" rtlCol="0">
+            <a:spAutoFit/>
+          </a:bodyPr>
+          <a:lstStyle/>
+          <a:p>
+            <a:r>
+              <a:rPr lang="en-US" altLang="ko-KR" dirty="0"/>
+              <a:t>Data num of each branch </a:t>
+            </a:r>
+            <a:endParaRPr lang="ko-KR" altLang="en-US" dirty="0"/>
+          </a:p>
+        </p:txBody>
+      </p:sp>
+      <p:cxnSp>
+        <p:nvCxnSpPr>
+          <p:cNvPr id="8" name="직선 화살표 연결선 7">
+            <a:extLst>
+              <a:ext uri="{FF2B5EF4-FFF2-40B4-BE49-F238E27FC236}">
+                <a16:creationId xmlns:a16="http://schemas.microsoft.com/office/drawing/2014/main" id="{B8AB662F-7D25-4286-8E69-5FD4EDBD48A7}"/>
+              </a:ext>
+            </a:extLst>
+          </p:cNvPr>
+          <p:cNvCxnSpPr>
+            <a:cxnSpLocks/>
+          </p:cNvCxnSpPr>
+          <p:nvPr/>
+        </p:nvCxnSpPr>
+        <p:spPr>
+          <a:xfrm flipH="1">
+            <a:off x="5905501" y="4497355"/>
+            <a:ext cx="1295399" cy="0"/>
+          </a:xfrm>
+          <a:prstGeom prst="straightConnector1">
+            <a:avLst/>
+          </a:prstGeom>
+          <a:ln>
+            <a:tailEnd type="triangle"/>
+          </a:ln>
+        </p:spPr>
+        <p:style>
+          <a:lnRef idx="1">
+            <a:schemeClr val="accent1"/>
+          </a:lnRef>
+          <a:fillRef idx="0">
+            <a:schemeClr val="accent1"/>
+          </a:fillRef>
+          <a:effectRef idx="0">
+            <a:schemeClr val="accent1"/>
+          </a:effectRef>
+          <a:fontRef idx="minor">
+            <a:schemeClr val="tx1"/>
+          </a:fontRef>
+        </p:style>
+      </p:cxnSp>
+      <p:sp>
+        <p:nvSpPr>
+          <p:cNvPr id="10" name="TextBox 9">
+            <a:extLst>
+              <a:ext uri="{FF2B5EF4-FFF2-40B4-BE49-F238E27FC236}">
+                <a16:creationId xmlns:a16="http://schemas.microsoft.com/office/drawing/2014/main" id="{59E22D91-7BC2-44AE-B346-BD94E081967C}"/>
+              </a:ext>
+            </a:extLst>
+          </p:cNvPr>
+          <p:cNvSpPr txBox="1"/>
+          <p:nvPr/>
+        </p:nvSpPr>
+        <p:spPr>
+          <a:xfrm>
+            <a:off x="7200900" y="4312689"/>
+            <a:ext cx="1542410" cy="369332"/>
+          </a:xfrm>
+          <a:prstGeom prst="rect">
+            <a:avLst/>
+          </a:prstGeom>
+          <a:noFill/>
+        </p:spPr>
+        <p:txBody>
+          <a:bodyPr wrap="none" rtlCol="0">
+            <a:spAutoFit/>
+          </a:bodyPr>
+          <a:lstStyle/>
+          <a:p>
+            <a:r>
+              <a:rPr lang="en-US" altLang="ko-KR" dirty="0"/>
+              <a:t>All data num</a:t>
+            </a:r>
+            <a:endParaRPr lang="ko-KR" altLang="en-US" dirty="0"/>
+          </a:p>
+        </p:txBody>
+      </p:sp>
+    </p:spTree>
+    <p:extLst>
+      <p:ext uri="{BB962C8B-B14F-4D97-AF65-F5344CB8AC3E}">
+        <p14:creationId xmlns:p14="http://schemas.microsoft.com/office/powerpoint/2010/main" val="3531474340"/>
+      </p:ext>
+    </p:extLst>
+  </p:cSld>
+  <p:clrMapOvr>
+    <a:masterClrMapping/>
+  </p:clrMapOvr>
+</p:sld>
+</file>
+
+<file path=ppt/slides/slide8.xml><?xml version="1.0" encoding="utf-8"?>
+<p:sld xmlns:a="http://schemas.openxmlformats.org/drawingml/2006/main" xmlns:r="http://schemas.openxmlformats.org/officeDocument/2006/relationships" xmlns:p="http://schemas.openxmlformats.org/presentationml/2006/main">
+  <p:cSld>
+    <p:spTree>
+      <p:nvGrpSpPr>
+        <p:cNvPr id="1" name=""/>
+        <p:cNvGrpSpPr/>
+        <p:nvPr/>
+      </p:nvGrpSpPr>
+      <p:grpSpPr>
+        <a:xfrm>
+          <a:off x="0" y="0"/>
+          <a:ext cx="0" cy="0"/>
+          <a:chOff x="0" y="0"/>
+          <a:chExt cx="0" cy="0"/>
+        </a:xfrm>
+      </p:grpSpPr>
+      <p:sp>
+        <p:nvSpPr>
+          <p:cNvPr id="2" name="제목 1">
+            <a:extLst>
+              <a:ext uri="{FF2B5EF4-FFF2-40B4-BE49-F238E27FC236}">
                 <a16:creationId xmlns:a16="http://schemas.microsoft.com/office/drawing/2014/main" id="{80C88CD3-709B-43BF-AF40-C3880A8A6702}"/>
               </a:ext>
             </a:extLst>
@@ -5205,8 +6644,8 @@
           </a:p>
         </p:txBody>
       </p:sp>
-      <mc:AlternateContent xmlns:mc="http://schemas.openxmlformats.org/markup-compatibility/2006">
-        <mc:Choice xmlns:a14="http://schemas.microsoft.com/office/drawing/2010/main" Requires="a14">
+      <mc:AlternateContent xmlns:mc="http://schemas.openxmlformats.org/markup-compatibility/2006" xmlns:a14="http://schemas.microsoft.com/office/drawing/2010/main">
+        <mc:Choice Requires="a14">
           <p:sp>
             <p:nvSpPr>
               <p:cNvPr id="6" name="내용 개체 틀 5">
@@ -5226,7 +6665,7 @@
             <p:spPr>
               <a:xfrm>
                 <a:off x="838200" y="2141537"/>
-                <a:ext cx="10515600" cy="544513"/>
+                <a:ext cx="10515600" cy="1239284"/>
               </a:xfrm>
             </p:spPr>
             <p:txBody>
@@ -5322,7 +6761,7 @@
                                 <m:nor/>
                               </m:rPr>
                               <a:rPr lang="en-US" altLang="ko-KR" dirty="0"/>
-                              <m:t>(1-</m:t>
+                              <m:t>(1−</m:t>
                             </m:r>
                             <m:r>
                               <m:rPr>
@@ -5462,12 +6901,112 @@
                     </m:nary>
                   </m:oMath>
                 </a14:m>
-                <a:endParaRPr lang="ko-KR" altLang="en-US" dirty="0"/>
+                <a:endParaRPr lang="en-US" altLang="ko-KR" dirty="0"/>
+              </a:p>
+              <a:p>
+                <a:pPr marL="0" indent="0">
+                  <a:buNone/>
+                </a:pPr>
+                <a14:m>
+                  <m:oMathPara xmlns:m="http://schemas.openxmlformats.org/officeDocument/2006/math">
+                    <m:oMathParaPr>
+                      <m:jc m:val="left"/>
+                    </m:oMathParaPr>
+                    <m:oMath xmlns:m="http://schemas.openxmlformats.org/officeDocument/2006/math">
+                      <m:sSub>
+                        <m:sSubPr>
+                          <m:ctrlPr>
+                            <a:rPr lang="pt-BR" altLang="ko-KR" sz="1800" i="1">
+                              <a:latin typeface="Cambria Math" panose="02040503050406030204" pitchFamily="18" charset="0"/>
+                            </a:rPr>
+                          </m:ctrlPr>
+                        </m:sSubPr>
+                        <m:e>
+                          <m:r>
+                            <a:rPr lang="en-US" altLang="ko-KR" sz="1800" i="1">
+                              <a:latin typeface="Cambria Math" panose="02040503050406030204" pitchFamily="18" charset="0"/>
+                            </a:rPr>
+                            <m:t>𝑝</m:t>
+                          </m:r>
+                        </m:e>
+                        <m:sub>
+                          <m:r>
+                            <a:rPr lang="en-US" altLang="ko-KR" sz="1800" i="1">
+                              <a:latin typeface="Cambria Math" panose="02040503050406030204" pitchFamily="18" charset="0"/>
+                            </a:rPr>
+                            <m:t>𝑘</m:t>
+                          </m:r>
+                        </m:sub>
+                      </m:sSub>
+                      <m:r>
+                        <a:rPr lang="en-US" altLang="ko-KR" sz="1800" b="0" i="1" smtClean="0">
+                          <a:latin typeface="Cambria Math" panose="02040503050406030204" pitchFamily="18" charset="0"/>
+                        </a:rPr>
+                        <m:t>:</m:t>
+                      </m:r>
+                      <m:r>
+                        <a:rPr lang="en-US" altLang="ko-KR" sz="1800" b="0" i="1" smtClean="0">
+                          <a:latin typeface="Cambria Math" panose="02040503050406030204" pitchFamily="18" charset="0"/>
+                        </a:rPr>
+                        <m:t>𝑟𝑒𝑙𝑎𝑡𝑖𝑣𝑒</m:t>
+                      </m:r>
+                      <m:r>
+                        <a:rPr lang="en-US" altLang="ko-KR" sz="1800" b="0" i="1" smtClean="0">
+                          <a:latin typeface="Cambria Math" panose="02040503050406030204" pitchFamily="18" charset="0"/>
+                        </a:rPr>
+                        <m:t> </m:t>
+                      </m:r>
+                      <m:r>
+                        <a:rPr lang="en-US" altLang="ko-KR" sz="1800" b="0" i="1" smtClean="0">
+                          <a:latin typeface="Cambria Math" panose="02040503050406030204" pitchFamily="18" charset="0"/>
+                        </a:rPr>
+                        <m:t>𝑓𝑟𝑒𝑞𝑢𝑒𝑛𝑐𝑦</m:t>
+                      </m:r>
+                      <m:r>
+                        <a:rPr lang="en-US" altLang="ko-KR" sz="1800" b="0" i="1" smtClean="0">
+                          <a:latin typeface="Cambria Math" panose="02040503050406030204" pitchFamily="18" charset="0"/>
+                        </a:rPr>
+                        <m:t> </m:t>
+                      </m:r>
+                      <m:r>
+                        <a:rPr lang="en-US" altLang="ko-KR" sz="1800" b="0" i="1" smtClean="0">
+                          <a:latin typeface="Cambria Math" panose="02040503050406030204" pitchFamily="18" charset="0"/>
+                        </a:rPr>
+                        <m:t>𝑜𝑓</m:t>
+                      </m:r>
+                      <m:r>
+                        <a:rPr lang="en-US" altLang="ko-KR" sz="1800" b="0" i="1" smtClean="0">
+                          <a:latin typeface="Cambria Math" panose="02040503050406030204" pitchFamily="18" charset="0"/>
+                        </a:rPr>
+                        <m:t> </m:t>
+                      </m:r>
+                      <m:r>
+                        <a:rPr lang="en-US" altLang="ko-KR" sz="1800" b="0" i="1" smtClean="0">
+                          <a:latin typeface="Cambria Math" panose="02040503050406030204" pitchFamily="18" charset="0"/>
+                        </a:rPr>
+                        <m:t>𝑐𝑙𝑎𝑠𝑠</m:t>
+                      </m:r>
+                      <m:r>
+                        <a:rPr lang="en-US" altLang="ko-KR" sz="1800" b="0" i="1" smtClean="0">
+                          <a:latin typeface="Cambria Math" panose="02040503050406030204" pitchFamily="18" charset="0"/>
+                        </a:rPr>
+                        <m:t> </m:t>
+                      </m:r>
+                      <m:r>
+                        <a:rPr lang="en-US" altLang="ko-KR" sz="1800" b="0" i="1" smtClean="0">
+                          <a:latin typeface="Cambria Math" panose="02040503050406030204" pitchFamily="18" charset="0"/>
+                        </a:rPr>
+                        <m:t>𝑗</m:t>
+                      </m:r>
+                    </m:oMath>
+                  </m:oMathPara>
+                </a14:m>
+                <a:endParaRPr lang="ko-KR" altLang="en-US" sz="1800" dirty="0"/>
               </a:p>
             </p:txBody>
           </p:sp>
         </mc:Choice>
-        <mc:Fallback>
+        <mc:Fallback xmlns="">
           <p:sp>
             <p:nvSpPr>
               <p:cNvPr id="6" name="내용 개체 틀 5">
@@ -5487,12 +7026,12 @@
             <p:spPr>
               <a:xfrm>
                 <a:off x="838200" y="2141537"/>
-                <a:ext cx="10515600" cy="544513"/>
+                <a:ext cx="10515600" cy="1239284"/>
               </a:xfrm>
               <a:blipFill>
                 <a:blip r:embed="rId2"/>
                 <a:stretch>
-                  <a:fillRect l="-1043" t="-13333" b="-23333"/>
+                  <a:fillRect l="-1043" t="-5882"/>
                 </a:stretch>
               </a:blipFill>
             </p:spPr>
@@ -5583,8 +7122,8 @@
           </a:p>
         </p:txBody>
       </p:sp>
-      <mc:AlternateContent xmlns:mc="http://schemas.openxmlformats.org/markup-compatibility/2006">
-        <mc:Choice xmlns:a14="http://schemas.microsoft.com/office/drawing/2010/main" Requires="a14">
+      <mc:AlternateContent xmlns:mc="http://schemas.openxmlformats.org/markup-compatibility/2006" xmlns:a14="http://schemas.microsoft.com/office/drawing/2010/main">
+        <mc:Choice Requires="a14">
           <p:sp>
             <p:nvSpPr>
               <p:cNvPr id="10" name="내용 개체 틀 5">
@@ -6020,7 +7559,7 @@
             </p:txBody>
           </p:sp>
         </mc:Choice>
-        <mc:Fallback>
+        <mc:Fallback xmlns="">
           <p:sp>
             <p:nvSpPr>
               <p:cNvPr id="10" name="내용 개체 틀 5">
@@ -6044,7 +7583,7 @@
                 <a:avLst/>
               </a:prstGeom>
               <a:blipFill>
-                <a:blip r:embed="rId3"/>
+                <a:blip r:embed="rId6"/>
                 <a:stretch>
                   <a:fillRect t="-6667"/>
                 </a:stretch>
@@ -6065,8 +7604,8 @@
           </p:sp>
         </mc:Fallback>
       </mc:AlternateContent>
-      <mc:AlternateContent xmlns:mc="http://schemas.openxmlformats.org/markup-compatibility/2006">
-        <mc:Choice xmlns:a14="http://schemas.microsoft.com/office/drawing/2010/main" Requires="a14">
+      <mc:AlternateContent xmlns:mc="http://schemas.openxmlformats.org/markup-compatibility/2006" xmlns:a14="http://schemas.microsoft.com/office/drawing/2010/main">
+        <mc:Choice Requires="a14">
           <p:sp>
             <p:nvSpPr>
               <p:cNvPr id="12" name="TextBox 11">
@@ -6158,7 +7697,7 @@
             </p:txBody>
           </p:sp>
         </mc:Choice>
-        <mc:Fallback>
+        <mc:Fallback xmlns="">
           <p:sp>
             <p:nvSpPr>
               <p:cNvPr id="12" name="TextBox 11">
@@ -6182,7 +7721,7 @@
                 <a:avLst/>
               </a:prstGeom>
               <a:blipFill>
-                <a:blip r:embed="rId4"/>
+                <a:blip r:embed="rId7"/>
                 <a:stretch>
                   <a:fillRect l="-1064" t="-10938" r="-236" b="-17188"/>
                 </a:stretch>
@@ -6216,7 +7755,7 @@
 </p:sld>
 </file>
 
-<file path=ppt/slides/slide6.xml><?xml version="1.0" encoding="utf-8"?>
+<file path=ppt/slides/slide9.xml><?xml version="1.0" encoding="utf-8"?>
 <p:sld xmlns:a="http://schemas.openxmlformats.org/drawingml/2006/main" xmlns:r="http://schemas.openxmlformats.org/officeDocument/2006/relationships" xmlns:p="http://schemas.openxmlformats.org/presentationml/2006/main">
   <p:cSld>
     <p:spTree>
@@ -6325,340 +7864,6 @@
     <p:extLst>
       <p:ext uri="{BB962C8B-B14F-4D97-AF65-F5344CB8AC3E}">
         <p14:creationId xmlns:p14="http://schemas.microsoft.com/office/powerpoint/2010/main" val="2568289416"/>
-      </p:ext>
-    </p:extLst>
-  </p:cSld>
-  <p:clrMapOvr>
-    <a:masterClrMapping/>
-  </p:clrMapOvr>
-</p:sld>
-</file>
-
-<file path=ppt/slides/slide7.xml><?xml version="1.0" encoding="utf-8"?>
-<p:sld xmlns:a="http://schemas.openxmlformats.org/drawingml/2006/main" xmlns:r="http://schemas.openxmlformats.org/officeDocument/2006/relationships" xmlns:p="http://schemas.openxmlformats.org/presentationml/2006/main">
-  <p:cSld>
-    <p:spTree>
-      <p:nvGrpSpPr>
-        <p:cNvPr id="1" name=""/>
-        <p:cNvGrpSpPr/>
-        <p:nvPr/>
-      </p:nvGrpSpPr>
-      <p:grpSpPr>
-        <a:xfrm>
-          <a:off x="0" y="0"/>
-          <a:ext cx="0" cy="0"/>
-          <a:chOff x="0" y="0"/>
-          <a:chExt cx="0" cy="0"/>
-        </a:xfrm>
-      </p:grpSpPr>
-      <p:sp>
-        <p:nvSpPr>
-          <p:cNvPr id="2" name="제목 1">
-            <a:extLst>
-              <a:ext uri="{FF2B5EF4-FFF2-40B4-BE49-F238E27FC236}">
-                <a16:creationId xmlns:a16="http://schemas.microsoft.com/office/drawing/2014/main" id="{5244CAD0-104F-4A3B-9D48-98C487A7AA6A}"/>
-              </a:ext>
-            </a:extLst>
-          </p:cNvPr>
-          <p:cNvSpPr>
-            <a:spLocks noGrp="1"/>
-          </p:cNvSpPr>
-          <p:nvPr>
-            <p:ph type="title"/>
-          </p:nvPr>
-        </p:nvSpPr>
-        <p:spPr/>
-        <p:txBody>
-          <a:bodyPr/>
-          <a:lstStyle/>
-          <a:p>
-            <a:r>
-              <a:rPr lang="en-US" altLang="ko-KR" dirty="0"/>
-              <a:t>Ensemble learning methods</a:t>
-            </a:r>
-            <a:endParaRPr lang="ko-KR" altLang="en-US" dirty="0"/>
-          </a:p>
-        </p:txBody>
-      </p:sp>
-      <p:sp>
-        <p:nvSpPr>
-          <p:cNvPr id="3" name="내용 개체 틀 2">
-            <a:extLst>
-              <a:ext uri="{FF2B5EF4-FFF2-40B4-BE49-F238E27FC236}">
-                <a16:creationId xmlns:a16="http://schemas.microsoft.com/office/drawing/2014/main" id="{1ED24185-9524-4A61-85A4-66BE9E22B065}"/>
-              </a:ext>
-            </a:extLst>
-          </p:cNvPr>
-          <p:cNvSpPr>
-            <a:spLocks noGrp="1"/>
-          </p:cNvSpPr>
-          <p:nvPr>
-            <p:ph idx="1"/>
-          </p:nvPr>
-        </p:nvSpPr>
-        <p:spPr/>
-        <p:txBody>
-          <a:bodyPr/>
-          <a:lstStyle/>
-          <a:p>
-            <a:r>
-              <a:rPr lang="en-US" altLang="ko-KR" dirty="0"/>
-              <a:t>Random forest</a:t>
-            </a:r>
-          </a:p>
-          <a:p>
-            <a:r>
-              <a:rPr lang="en-US" altLang="ko-KR" dirty="0"/>
-              <a:t>Boost tree</a:t>
-            </a:r>
-          </a:p>
-          <a:p>
-            <a:r>
-              <a:rPr lang="ko-KR" altLang="en-US" dirty="0"/>
-              <a:t>회전 </a:t>
-            </a:r>
-            <a:r>
-              <a:rPr lang="ko-KR" altLang="en-US" dirty="0" err="1"/>
-              <a:t>포레스트</a:t>
-            </a:r>
-            <a:endParaRPr lang="ko-KR" altLang="en-US" dirty="0"/>
-          </a:p>
-        </p:txBody>
-      </p:sp>
-    </p:spTree>
-    <p:extLst>
-      <p:ext uri="{BB962C8B-B14F-4D97-AF65-F5344CB8AC3E}">
-        <p14:creationId xmlns:p14="http://schemas.microsoft.com/office/powerpoint/2010/main" val="1942771155"/>
-      </p:ext>
-    </p:extLst>
-  </p:cSld>
-  <p:clrMapOvr>
-    <a:masterClrMapping/>
-  </p:clrMapOvr>
-</p:sld>
-</file>
-
-<file path=ppt/slides/slide8.xml><?xml version="1.0" encoding="utf-8"?>
-<p:sld xmlns:a="http://schemas.openxmlformats.org/drawingml/2006/main" xmlns:r="http://schemas.openxmlformats.org/officeDocument/2006/relationships" xmlns:p="http://schemas.openxmlformats.org/presentationml/2006/main">
-  <p:cSld>
-    <p:spTree>
-      <p:nvGrpSpPr>
-        <p:cNvPr id="1" name=""/>
-        <p:cNvGrpSpPr/>
-        <p:nvPr/>
-      </p:nvGrpSpPr>
-      <p:grpSpPr>
-        <a:xfrm>
-          <a:off x="0" y="0"/>
-          <a:ext cx="0" cy="0"/>
-          <a:chOff x="0" y="0"/>
-          <a:chExt cx="0" cy="0"/>
-        </a:xfrm>
-      </p:grpSpPr>
-      <p:sp>
-        <p:nvSpPr>
-          <p:cNvPr id="2" name="제목 1">
-            <a:extLst>
-              <a:ext uri="{FF2B5EF4-FFF2-40B4-BE49-F238E27FC236}">
-                <a16:creationId xmlns:a16="http://schemas.microsoft.com/office/drawing/2014/main" id="{49D8BF82-92C5-4894-A764-2CE82D753F1E}"/>
-              </a:ext>
-            </a:extLst>
-          </p:cNvPr>
-          <p:cNvSpPr>
-            <a:spLocks noGrp="1"/>
-          </p:cNvSpPr>
-          <p:nvPr>
-            <p:ph type="title"/>
-          </p:nvPr>
-        </p:nvSpPr>
-        <p:spPr/>
-        <p:txBody>
-          <a:bodyPr/>
-          <a:lstStyle/>
-          <a:p>
-            <a:r>
-              <a:rPr lang="en-US" altLang="ko-KR" dirty="0"/>
-              <a:t>Random</a:t>
-            </a:r>
-            <a:r>
-              <a:rPr lang="ko-KR" altLang="en-US" dirty="0"/>
-              <a:t> </a:t>
-            </a:r>
-            <a:r>
-              <a:rPr lang="en-US" altLang="ko-KR" dirty="0"/>
-              <a:t>forest</a:t>
-            </a:r>
-            <a:endParaRPr lang="ko-KR" altLang="en-US" dirty="0"/>
-          </a:p>
-        </p:txBody>
-      </p:sp>
-      <p:sp>
-        <p:nvSpPr>
-          <p:cNvPr id="3" name="내용 개체 틀 2">
-            <a:extLst>
-              <a:ext uri="{FF2B5EF4-FFF2-40B4-BE49-F238E27FC236}">
-                <a16:creationId xmlns:a16="http://schemas.microsoft.com/office/drawing/2014/main" id="{28C85EA2-0DBF-4C45-8BCC-C8C274D5B85D}"/>
-              </a:ext>
-            </a:extLst>
-          </p:cNvPr>
-          <p:cNvSpPr>
-            <a:spLocks noGrp="1"/>
-          </p:cNvSpPr>
-          <p:nvPr>
-            <p:ph idx="1"/>
-          </p:nvPr>
-        </p:nvSpPr>
-        <p:spPr/>
-        <p:txBody>
-          <a:bodyPr/>
-          <a:lstStyle/>
-          <a:p>
-            <a:r>
-              <a:rPr lang="ko-KR" altLang="en-US" dirty="0"/>
-              <a:t>임의 노드 최적화</a:t>
-            </a:r>
-            <a:r>
-              <a:rPr lang="en-US" altLang="ko-KR" dirty="0"/>
-              <a:t>(randomized node optimization, RNO)</a:t>
-            </a:r>
-            <a:r>
-              <a:rPr lang="ko-KR" altLang="en-US" dirty="0"/>
-              <a:t>와 </a:t>
-            </a:r>
-            <a:r>
-              <a:rPr lang="ko-KR" altLang="en-US" dirty="0" err="1">
-                <a:hlinkClick r:id="rId2" tooltip="배깅"/>
-              </a:rPr>
-              <a:t>배깅</a:t>
-            </a:r>
-            <a:r>
-              <a:rPr lang="en-US" altLang="ko-KR" dirty="0"/>
-              <a:t>(bootstrap aggregating, bagging)</a:t>
-            </a:r>
-            <a:r>
-              <a:rPr lang="ko-KR" altLang="en-US" dirty="0"/>
-              <a:t>을 결합한 방법과 같은 </a:t>
-            </a:r>
-            <a:r>
-              <a:rPr lang="en-US" altLang="ko-KR" dirty="0">
-                <a:hlinkClick r:id="rId3" tooltip="CART (없는 문서)"/>
-              </a:rPr>
-              <a:t>CART</a:t>
-            </a:r>
-            <a:r>
-              <a:rPr lang="en-US" altLang="ko-KR" dirty="0"/>
-              <a:t>(classification and regression tree)</a:t>
-            </a:r>
-            <a:r>
-              <a:rPr lang="ko-KR" altLang="en-US" dirty="0"/>
-              <a:t>를 사용</a:t>
-            </a:r>
-            <a:endParaRPr lang="en-US" altLang="ko-KR" dirty="0"/>
-          </a:p>
-          <a:p>
-            <a:endParaRPr lang="en-US" altLang="ko-KR" dirty="0"/>
-          </a:p>
-          <a:p>
-            <a:r>
-              <a:rPr lang="en-US" altLang="ko-KR" dirty="0"/>
-              <a:t>Robust to noise</a:t>
-            </a:r>
-            <a:endParaRPr lang="ko-KR" altLang="en-US" dirty="0"/>
-          </a:p>
-        </p:txBody>
-      </p:sp>
-    </p:spTree>
-    <p:extLst>
-      <p:ext uri="{BB962C8B-B14F-4D97-AF65-F5344CB8AC3E}">
-        <p14:creationId xmlns:p14="http://schemas.microsoft.com/office/powerpoint/2010/main" val="2234626363"/>
-      </p:ext>
-    </p:extLst>
-  </p:cSld>
-  <p:clrMapOvr>
-    <a:masterClrMapping/>
-  </p:clrMapOvr>
-</p:sld>
-</file>
-
-<file path=ppt/slides/slide9.xml><?xml version="1.0" encoding="utf-8"?>
-<p:sld xmlns:a="http://schemas.openxmlformats.org/drawingml/2006/main" xmlns:r="http://schemas.openxmlformats.org/officeDocument/2006/relationships" xmlns:p="http://schemas.openxmlformats.org/presentationml/2006/main">
-  <p:cSld>
-    <p:spTree>
-      <p:nvGrpSpPr>
-        <p:cNvPr id="1" name=""/>
-        <p:cNvGrpSpPr/>
-        <p:nvPr/>
-      </p:nvGrpSpPr>
-      <p:grpSpPr>
-        <a:xfrm>
-          <a:off x="0" y="0"/>
-          <a:ext cx="0" cy="0"/>
-          <a:chOff x="0" y="0"/>
-          <a:chExt cx="0" cy="0"/>
-        </a:xfrm>
-      </p:grpSpPr>
-      <p:sp>
-        <p:nvSpPr>
-          <p:cNvPr id="2" name="제목 1">
-            <a:extLst>
-              <a:ext uri="{FF2B5EF4-FFF2-40B4-BE49-F238E27FC236}">
-                <a16:creationId xmlns:a16="http://schemas.microsoft.com/office/drawing/2014/main" id="{B6D33F64-7030-490D-B923-50543A8360C1}"/>
-              </a:ext>
-            </a:extLst>
-          </p:cNvPr>
-          <p:cNvSpPr>
-            <a:spLocks noGrp="1"/>
-          </p:cNvSpPr>
-          <p:nvPr>
-            <p:ph type="title"/>
-          </p:nvPr>
-        </p:nvSpPr>
-        <p:spPr/>
-        <p:txBody>
-          <a:bodyPr/>
-          <a:lstStyle/>
-          <a:p>
-            <a:r>
-              <a:rPr lang="en-US" altLang="ko-KR" dirty="0"/>
-              <a:t>Most often used algorithm</a:t>
-            </a:r>
-            <a:endParaRPr lang="ko-KR" altLang="en-US" dirty="0"/>
-          </a:p>
-        </p:txBody>
-      </p:sp>
-      <p:sp>
-        <p:nvSpPr>
-          <p:cNvPr id="3" name="내용 개체 틀 2">
-            <a:extLst>
-              <a:ext uri="{FF2B5EF4-FFF2-40B4-BE49-F238E27FC236}">
-                <a16:creationId xmlns:a16="http://schemas.microsoft.com/office/drawing/2014/main" id="{B2E89A85-B7EB-417B-90BF-1EF8FB86F56B}"/>
-              </a:ext>
-            </a:extLst>
-          </p:cNvPr>
-          <p:cNvSpPr>
-            <a:spLocks noGrp="1"/>
-          </p:cNvSpPr>
-          <p:nvPr>
-            <p:ph idx="1"/>
-          </p:nvPr>
-        </p:nvSpPr>
-        <p:spPr/>
-        <p:txBody>
-          <a:bodyPr/>
-          <a:lstStyle/>
-          <a:p>
-            <a:r>
-              <a:rPr lang="en-US" altLang="ko-KR" dirty="0"/>
-              <a:t>ID3 -&gt; C4.5 -&gt; C5.0</a:t>
-            </a:r>
-            <a:endParaRPr lang="ko-KR" altLang="en-US" dirty="0"/>
-          </a:p>
-        </p:txBody>
-      </p:sp>
-    </p:spTree>
-    <p:extLst>
-      <p:ext uri="{BB962C8B-B14F-4D97-AF65-F5344CB8AC3E}">
-        <p14:creationId xmlns:p14="http://schemas.microsoft.com/office/powerpoint/2010/main" val="3821309328"/>
       </p:ext>
     </p:extLst>
   </p:cSld>

--- a/Decision tree.pptx
+++ b/Decision tree.pptx
@@ -17,7 +17,12 @@
     <p:sldId id="260" r:id="rId11"/>
     <p:sldId id="261" r:id="rId12"/>
     <p:sldId id="262" r:id="rId13"/>
-    <p:sldId id="268" r:id="rId14"/>
+    <p:sldId id="270" r:id="rId14"/>
+    <p:sldId id="268" r:id="rId15"/>
+    <p:sldId id="269" r:id="rId16"/>
+    <p:sldId id="271" r:id="rId17"/>
+    <p:sldId id="272" r:id="rId18"/>
+    <p:sldId id="273" r:id="rId19"/>
   </p:sldIdLst>
   <p:sldSz cx="12192000" cy="6858000"/>
   <p:notesSz cx="6858000" cy="9144000"/>
@@ -4084,7 +4089,95 @@
               <a:rPr lang="en-US" altLang="ko-KR" dirty="0"/>
               <a:t>ID3 -&gt; C4.5 -&gt; C5.0</a:t>
             </a:r>
-            <a:endParaRPr lang="ko-KR" altLang="en-US" dirty="0"/>
+          </a:p>
+          <a:p>
+            <a:pPr marL="0" indent="0">
+              <a:buNone/>
+            </a:pPr>
+            <a:r>
+              <a:rPr lang="en-US" altLang="ko-KR" dirty="0"/>
+              <a:t>ID3</a:t>
+            </a:r>
+            <a:r>
+              <a:rPr lang="ko-KR" altLang="en-US" dirty="0"/>
+              <a:t> </a:t>
+            </a:r>
+            <a:r>
+              <a:rPr lang="en-US" altLang="ko-KR" dirty="0"/>
+              <a:t>:</a:t>
+            </a:r>
+            <a:r>
+              <a:rPr lang="ko-KR" altLang="en-US" dirty="0"/>
+              <a:t> </a:t>
+            </a:r>
+            <a:r>
+              <a:rPr lang="en-US" altLang="ko-KR" dirty="0"/>
+              <a:t>use</a:t>
+            </a:r>
+            <a:r>
+              <a:rPr lang="ko-KR" altLang="en-US" dirty="0"/>
+              <a:t> </a:t>
+            </a:r>
+            <a:r>
+              <a:rPr lang="en-US" altLang="ko-KR" dirty="0"/>
+              <a:t>Chi</a:t>
+            </a:r>
+            <a:r>
+              <a:rPr lang="ko-KR" altLang="en-US" dirty="0"/>
+              <a:t> </a:t>
+            </a:r>
+            <a:r>
+              <a:rPr lang="en-US" altLang="ko-KR" dirty="0"/>
+              <a:t>square </a:t>
+            </a:r>
+            <a:r>
+              <a:rPr lang="en-US" altLang="ko-KR" dirty="0" err="1"/>
+              <a:t>prepruning</a:t>
+            </a:r>
+            <a:endParaRPr lang="en-US" altLang="ko-KR" dirty="0"/>
+          </a:p>
+          <a:p>
+            <a:pPr marL="0" indent="0">
+              <a:buNone/>
+            </a:pPr>
+            <a:endParaRPr lang="en-US" altLang="ko-KR" dirty="0"/>
+          </a:p>
+          <a:p>
+            <a:pPr marL="0" indent="0">
+              <a:buNone/>
+            </a:pPr>
+            <a:r>
+              <a:rPr lang="en-US" altLang="ko-KR" dirty="0"/>
+              <a:t>C4.5: use subtree replacement </a:t>
+            </a:r>
+            <a:r>
+              <a:rPr lang="en-US" altLang="ko-KR" dirty="0" err="1"/>
+              <a:t>postpruning</a:t>
+            </a:r>
+            <a:r>
+              <a:rPr lang="en-US" altLang="ko-KR" dirty="0"/>
+              <a:t> , grafting(parent</a:t>
+            </a:r>
+            <a:r>
+              <a:rPr lang="ko-KR" altLang="en-US" dirty="0"/>
+              <a:t>를 제거하고 </a:t>
+            </a:r>
+            <a:r>
+              <a:rPr lang="en-US" altLang="ko-KR" dirty="0"/>
+              <a:t>subtree</a:t>
+            </a:r>
+            <a:r>
+              <a:rPr lang="ko-KR" altLang="en-US" dirty="0"/>
+              <a:t>중 가장 큰 것으로 </a:t>
+            </a:r>
+            <a:r>
+              <a:rPr lang="ko-KR" altLang="en-US" dirty="0" err="1"/>
+              <a:t>대체하는것</a:t>
+            </a:r>
+            <a:r>
+              <a:rPr lang="en-US" altLang="ko-KR" dirty="0"/>
+              <a:t>)</a:t>
+            </a:r>
           </a:p>
         </p:txBody>
       </p:sp>
@@ -4123,6 +4216,170 @@
           <p:cNvPr id="2" name="제목 1">
             <a:extLst>
               <a:ext uri="{FF2B5EF4-FFF2-40B4-BE49-F238E27FC236}">
+                <a16:creationId xmlns:a16="http://schemas.microsoft.com/office/drawing/2014/main" id="{AB1017CC-0ACF-47F7-9451-B3338DBC40FA}"/>
+              </a:ext>
+            </a:extLst>
+          </p:cNvPr>
+          <p:cNvSpPr>
+            <a:spLocks noGrp="1"/>
+          </p:cNvSpPr>
+          <p:nvPr>
+            <p:ph type="title"/>
+          </p:nvPr>
+        </p:nvSpPr>
+        <p:spPr/>
+        <p:txBody>
+          <a:bodyPr/>
+          <a:lstStyle/>
+          <a:p>
+            <a:r>
+              <a:rPr lang="en-US" altLang="ko-KR" dirty="0"/>
+              <a:t>Decision tree </a:t>
+            </a:r>
+            <a:r>
+              <a:rPr lang="ko-KR" altLang="en-US" dirty="0"/>
+              <a:t>단점</a:t>
+            </a:r>
+          </a:p>
+        </p:txBody>
+      </p:sp>
+      <p:sp>
+        <p:nvSpPr>
+          <p:cNvPr id="3" name="내용 개체 틀 2">
+            <a:extLst>
+              <a:ext uri="{FF2B5EF4-FFF2-40B4-BE49-F238E27FC236}">
+                <a16:creationId xmlns:a16="http://schemas.microsoft.com/office/drawing/2014/main" id="{51C85E2F-0285-4A3A-BE71-73F4309427F7}"/>
+              </a:ext>
+            </a:extLst>
+          </p:cNvPr>
+          <p:cNvSpPr>
+            <a:spLocks noGrp="1"/>
+          </p:cNvSpPr>
+          <p:nvPr>
+            <p:ph idx="1"/>
+          </p:nvPr>
+        </p:nvSpPr>
+        <p:spPr/>
+        <p:txBody>
+          <a:bodyPr/>
+          <a:lstStyle/>
+          <a:p>
+            <a:pPr marL="514350" indent="-514350">
+              <a:buAutoNum type="arabicPeriod"/>
+            </a:pPr>
+            <a:r>
+              <a:rPr lang="ko-KR" altLang="en-US" dirty="0"/>
+              <a:t>과도하게 복잡한 트리가 만들어 질 수 있다</a:t>
+            </a:r>
+            <a:r>
+              <a:rPr lang="en-US" altLang="ko-KR" dirty="0"/>
+              <a:t>(</a:t>
+            </a:r>
+            <a:r>
+              <a:rPr lang="ko-KR" altLang="en-US" dirty="0" err="1"/>
+              <a:t>오버피팅</a:t>
+            </a:r>
+            <a:r>
+              <a:rPr lang="en-US" altLang="ko-KR" dirty="0"/>
+              <a:t>)</a:t>
+            </a:r>
+          </a:p>
+          <a:p>
+            <a:pPr marL="0" indent="0">
+              <a:buNone/>
+            </a:pPr>
+            <a:r>
+              <a:rPr lang="en-US" altLang="ko-KR" dirty="0"/>
+              <a:t>-&gt; pruning</a:t>
+            </a:r>
+          </a:p>
+          <a:p>
+            <a:pPr marL="0" indent="0">
+              <a:buNone/>
+            </a:pPr>
+            <a:r>
+              <a:rPr lang="en-US" altLang="ko-KR" dirty="0"/>
+              <a:t>2. </a:t>
+            </a:r>
+            <a:r>
+              <a:rPr lang="ko-KR" altLang="en-US" dirty="0"/>
+              <a:t>데이터의 작은 차이로 인해 완전히 다른 트리가 생성됨</a:t>
+            </a:r>
+            <a:endParaRPr lang="en-US" altLang="ko-KR" dirty="0"/>
+          </a:p>
+          <a:p>
+            <a:pPr marL="0" indent="0">
+              <a:buNone/>
+            </a:pPr>
+            <a:r>
+              <a:rPr lang="en-US" altLang="ko-KR" dirty="0"/>
+              <a:t>-&gt; </a:t>
+            </a:r>
+            <a:r>
+              <a:rPr lang="ko-KR" altLang="en-US" dirty="0"/>
+              <a:t>앙상블</a:t>
+            </a:r>
+            <a:endParaRPr lang="en-US" altLang="ko-KR" dirty="0"/>
+          </a:p>
+          <a:p>
+            <a:pPr marL="0" indent="0">
+              <a:buNone/>
+            </a:pPr>
+            <a:r>
+              <a:rPr lang="en-US" altLang="ko-KR" dirty="0"/>
+              <a:t>3. </a:t>
+            </a:r>
+            <a:r>
+              <a:rPr lang="en-US" altLang="ko-KR" dirty="0" err="1"/>
+              <a:t>Xor</a:t>
+            </a:r>
+            <a:r>
+              <a:rPr lang="ko-KR" altLang="en-US" dirty="0"/>
+              <a:t>을 쉽게 표현할 수 없다</a:t>
+            </a:r>
+            <a:r>
+              <a:rPr lang="en-US" altLang="ko-KR" dirty="0"/>
+              <a:t>.</a:t>
+            </a:r>
+            <a:endParaRPr lang="ko-KR" altLang="en-US" dirty="0"/>
+          </a:p>
+        </p:txBody>
+      </p:sp>
+    </p:spTree>
+    <p:extLst>
+      <p:ext uri="{BB962C8B-B14F-4D97-AF65-F5344CB8AC3E}">
+        <p14:creationId xmlns:p14="http://schemas.microsoft.com/office/powerpoint/2010/main" val="2509642374"/>
+      </p:ext>
+    </p:extLst>
+  </p:cSld>
+  <p:clrMapOvr>
+    <a:masterClrMapping/>
+  </p:clrMapOvr>
+</p:sld>
+</file>
+
+<file path=ppt/slides/slide14.xml><?xml version="1.0" encoding="utf-8"?>
+<p:sld xmlns:a="http://schemas.openxmlformats.org/drawingml/2006/main" xmlns:r="http://schemas.openxmlformats.org/officeDocument/2006/relationships" xmlns:p="http://schemas.openxmlformats.org/presentationml/2006/main">
+  <p:cSld>
+    <p:spTree>
+      <p:nvGrpSpPr>
+        <p:cNvPr id="1" name=""/>
+        <p:cNvGrpSpPr/>
+        <p:nvPr/>
+      </p:nvGrpSpPr>
+      <p:grpSpPr>
+        <a:xfrm>
+          <a:off x="0" y="0"/>
+          <a:ext cx="0" cy="0"/>
+          <a:chOff x="0" y="0"/>
+          <a:chExt cx="0" cy="0"/>
+        </a:xfrm>
+      </p:grpSpPr>
+      <p:sp>
+        <p:nvSpPr>
+          <p:cNvPr id="2" name="제목 1">
+            <a:extLst>
+              <a:ext uri="{FF2B5EF4-FFF2-40B4-BE49-F238E27FC236}">
                 <a16:creationId xmlns:a16="http://schemas.microsoft.com/office/drawing/2014/main" id="{22DB5A50-C2A9-495A-BEDC-6E63E0A32443}"/>
               </a:ext>
             </a:extLst>
@@ -4165,10 +4422,127 @@
         </p:nvSpPr>
         <p:spPr/>
         <p:txBody>
-          <a:bodyPr/>
-          <a:lstStyle/>
-          <a:p>
-            <a:endParaRPr lang="ko-KR" altLang="en-US" dirty="0"/>
+          <a:bodyPr>
+            <a:normAutofit fontScale="92500"/>
+          </a:bodyPr>
+          <a:lstStyle/>
+          <a:p>
+            <a:r>
+              <a:rPr lang="en-US" altLang="ko-KR" dirty="0"/>
+              <a:t>Overfitting </a:t>
+            </a:r>
+            <a:r>
+              <a:rPr lang="ko-KR" altLang="en-US" dirty="0"/>
+              <a:t>을 방지해준다</a:t>
+            </a:r>
+            <a:r>
+              <a:rPr lang="en-US" altLang="ko-KR" dirty="0"/>
+              <a:t>.</a:t>
+            </a:r>
+          </a:p>
+          <a:p>
+            <a:pPr marL="514350" indent="-514350">
+              <a:buAutoNum type="arabicPeriod"/>
+            </a:pPr>
+            <a:r>
+              <a:rPr lang="en-US" altLang="ko-KR" dirty="0" err="1"/>
+              <a:t>Prepruning</a:t>
+            </a:r>
+            <a:endParaRPr lang="en-US" altLang="ko-KR" dirty="0"/>
+          </a:p>
+          <a:p>
+            <a:pPr marL="0" indent="0">
+              <a:buNone/>
+            </a:pPr>
+            <a:r>
+              <a:rPr lang="en-US" altLang="ko-KR" dirty="0"/>
+              <a:t> -&gt; fully grown decision tree</a:t>
+            </a:r>
+            <a:r>
+              <a:rPr lang="ko-KR" altLang="en-US" dirty="0"/>
+              <a:t>가 되기전에 </a:t>
+            </a:r>
+            <a:r>
+              <a:rPr lang="en-US" altLang="ko-KR" dirty="0"/>
+              <a:t>information</a:t>
+            </a:r>
+            <a:r>
+              <a:rPr lang="ko-KR" altLang="en-US" dirty="0"/>
+              <a:t>이 신뢰할 수 </a:t>
+            </a:r>
+            <a:r>
+              <a:rPr lang="ko-KR" altLang="en-US" dirty="0" err="1"/>
+              <a:t>없게되면</a:t>
+            </a:r>
+            <a:r>
+              <a:rPr lang="ko-KR" altLang="en-US" dirty="0"/>
+              <a:t> </a:t>
+            </a:r>
+            <a:r>
+              <a:rPr lang="en-US" altLang="ko-KR" dirty="0"/>
+              <a:t>growing</a:t>
+            </a:r>
+            <a:r>
+              <a:rPr lang="ko-KR" altLang="en-US" dirty="0"/>
+              <a:t>을 멈춤</a:t>
+            </a:r>
+            <a:endParaRPr lang="en-US" altLang="ko-KR" dirty="0"/>
+          </a:p>
+          <a:p>
+            <a:pPr marL="0" indent="0">
+              <a:buNone/>
+            </a:pPr>
+            <a:r>
+              <a:rPr lang="en-US" altLang="ko-KR" dirty="0"/>
+              <a:t> -&gt; Chi-square test</a:t>
+            </a:r>
+          </a:p>
+          <a:p>
+            <a:pPr marL="0" indent="0">
+              <a:buNone/>
+            </a:pPr>
+            <a:endParaRPr lang="en-US" altLang="ko-KR" dirty="0"/>
+          </a:p>
+          <a:p>
+            <a:pPr marL="514350" indent="-514350">
+              <a:buAutoNum type="arabicPeriod" startAt="2"/>
+            </a:pPr>
+            <a:r>
+              <a:rPr lang="en-US" altLang="ko-KR" dirty="0" err="1"/>
+              <a:t>Postpruning</a:t>
+            </a:r>
+            <a:endParaRPr lang="en-US" altLang="ko-KR" dirty="0"/>
+          </a:p>
+          <a:p>
+            <a:pPr marL="0" indent="0">
+              <a:buNone/>
+            </a:pPr>
+            <a:r>
+              <a:rPr lang="en-US" altLang="ko-KR" dirty="0"/>
+              <a:t> -&gt; fully grown decision tree</a:t>
+            </a:r>
+            <a:r>
+              <a:rPr lang="ko-KR" altLang="en-US" dirty="0"/>
+              <a:t>를 만들고</a:t>
+            </a:r>
+            <a:r>
+              <a:rPr lang="en-US" altLang="ko-KR" dirty="0"/>
+              <a:t>, unreliable</a:t>
+            </a:r>
+            <a:r>
+              <a:rPr lang="ko-KR" altLang="en-US" dirty="0"/>
+              <a:t>한 부분들을 버림</a:t>
+            </a:r>
+            <a:endParaRPr lang="en-US" altLang="ko-KR" dirty="0"/>
+          </a:p>
+          <a:p>
+            <a:pPr marL="0" indent="0">
+              <a:buNone/>
+            </a:pPr>
+            <a:r>
+              <a:rPr lang="en-US" altLang="ko-KR" dirty="0"/>
+              <a:t> -&gt; Reduced Error Pruning, Subtree replacement</a:t>
+            </a:r>
           </a:p>
         </p:txBody>
       </p:sp>
@@ -4176,6 +4550,630 @@
     <p:extLst>
       <p:ext uri="{BB962C8B-B14F-4D97-AF65-F5344CB8AC3E}">
         <p14:creationId xmlns:p14="http://schemas.microsoft.com/office/powerpoint/2010/main" val="3038136804"/>
+      </p:ext>
+    </p:extLst>
+  </p:cSld>
+  <p:clrMapOvr>
+    <a:masterClrMapping/>
+  </p:clrMapOvr>
+</p:sld>
+</file>
+
+<file path=ppt/slides/slide15.xml><?xml version="1.0" encoding="utf-8"?>
+<p:sld xmlns:a="http://schemas.openxmlformats.org/drawingml/2006/main" xmlns:r="http://schemas.openxmlformats.org/officeDocument/2006/relationships" xmlns:p="http://schemas.openxmlformats.org/presentationml/2006/main">
+  <p:cSld>
+    <p:spTree>
+      <p:nvGrpSpPr>
+        <p:cNvPr id="1" name=""/>
+        <p:cNvGrpSpPr/>
+        <p:nvPr/>
+      </p:nvGrpSpPr>
+      <p:grpSpPr>
+        <a:xfrm>
+          <a:off x="0" y="0"/>
+          <a:ext cx="0" cy="0"/>
+          <a:chOff x="0" y="0"/>
+          <a:chExt cx="0" cy="0"/>
+        </a:xfrm>
+      </p:grpSpPr>
+      <p:sp>
+        <p:nvSpPr>
+          <p:cNvPr id="2" name="제목 1">
+            <a:extLst>
+              <a:ext uri="{FF2B5EF4-FFF2-40B4-BE49-F238E27FC236}">
+                <a16:creationId xmlns:a16="http://schemas.microsoft.com/office/drawing/2014/main" id="{01F3F87A-12A9-45A8-89AB-3A66D35A74D8}"/>
+              </a:ext>
+            </a:extLst>
+          </p:cNvPr>
+          <p:cNvSpPr>
+            <a:spLocks noGrp="1"/>
+          </p:cNvSpPr>
+          <p:nvPr>
+            <p:ph type="title"/>
+          </p:nvPr>
+        </p:nvSpPr>
+        <p:spPr/>
+        <p:txBody>
+          <a:bodyPr/>
+          <a:lstStyle/>
+          <a:p>
+            <a:r>
+              <a:rPr lang="en-US" altLang="ko-KR" dirty="0" err="1"/>
+              <a:t>Prepruning</a:t>
+            </a:r>
+            <a:r>
+              <a:rPr lang="en-US" altLang="ko-KR" dirty="0"/>
+              <a:t>: Chi square</a:t>
+            </a:r>
+            <a:endParaRPr lang="ko-KR" altLang="en-US" dirty="0"/>
+          </a:p>
+        </p:txBody>
+      </p:sp>
+      <p:pic>
+        <p:nvPicPr>
+          <p:cNvPr id="4" name="그림 3">
+            <a:extLst>
+              <a:ext uri="{FF2B5EF4-FFF2-40B4-BE49-F238E27FC236}">
+                <a16:creationId xmlns:a16="http://schemas.microsoft.com/office/drawing/2014/main" id="{2FB32B9D-7443-49CB-A356-AD45AA631983}"/>
+              </a:ext>
+            </a:extLst>
+          </p:cNvPr>
+          <p:cNvPicPr>
+            <a:picLocks noChangeAspect="1"/>
+          </p:cNvPicPr>
+          <p:nvPr/>
+        </p:nvPicPr>
+        <p:blipFill>
+          <a:blip r:embed="rId2"/>
+          <a:stretch>
+            <a:fillRect/>
+          </a:stretch>
+        </p:blipFill>
+        <p:spPr>
+          <a:xfrm>
+            <a:off x="838200" y="1465796"/>
+            <a:ext cx="8081210" cy="5392204"/>
+          </a:xfrm>
+          <a:prstGeom prst="rect">
+            <a:avLst/>
+          </a:prstGeom>
+        </p:spPr>
+      </p:pic>
+      <p:sp>
+        <p:nvSpPr>
+          <p:cNvPr id="9" name="TextBox 8">
+            <a:extLst>
+              <a:ext uri="{FF2B5EF4-FFF2-40B4-BE49-F238E27FC236}">
+                <a16:creationId xmlns:a16="http://schemas.microsoft.com/office/drawing/2014/main" id="{20872F5E-D9CA-42FE-8E96-6D348EEC6C05}"/>
+              </a:ext>
+            </a:extLst>
+          </p:cNvPr>
+          <p:cNvSpPr txBox="1"/>
+          <p:nvPr/>
+        </p:nvSpPr>
+        <p:spPr>
+          <a:xfrm>
+            <a:off x="7505700" y="6029325"/>
+            <a:ext cx="3512500" cy="646331"/>
+          </a:xfrm>
+          <a:prstGeom prst="rect">
+            <a:avLst/>
+          </a:prstGeom>
+          <a:noFill/>
+        </p:spPr>
+        <p:txBody>
+          <a:bodyPr wrap="none" rtlCol="0">
+            <a:spAutoFit/>
+          </a:bodyPr>
+          <a:lstStyle/>
+          <a:p>
+            <a:r>
+              <a:rPr lang="ko-KR" altLang="en-US" dirty="0"/>
+              <a:t>신뢰할 수 없는 정보를 버림으로</a:t>
+            </a:r>
+            <a:endParaRPr lang="en-US" altLang="ko-KR" dirty="0"/>
+          </a:p>
+          <a:p>
+            <a:r>
+              <a:rPr lang="ko-KR" altLang="en-US" dirty="0"/>
+              <a:t>서 </a:t>
+            </a:r>
+            <a:r>
+              <a:rPr lang="en-US" altLang="ko-KR" dirty="0"/>
+              <a:t>overfitting</a:t>
+            </a:r>
+            <a:r>
+              <a:rPr lang="ko-KR" altLang="en-US" dirty="0"/>
+              <a:t> 을 방지해 준다</a:t>
+            </a:r>
+            <a:r>
+              <a:rPr lang="en-US" altLang="ko-KR" dirty="0"/>
+              <a:t>.</a:t>
+            </a:r>
+          </a:p>
+        </p:txBody>
+      </p:sp>
+    </p:spTree>
+    <p:extLst>
+      <p:ext uri="{BB962C8B-B14F-4D97-AF65-F5344CB8AC3E}">
+        <p14:creationId xmlns:p14="http://schemas.microsoft.com/office/powerpoint/2010/main" val="1535815616"/>
+      </p:ext>
+    </p:extLst>
+  </p:cSld>
+  <p:clrMapOvr>
+    <a:masterClrMapping/>
+  </p:clrMapOvr>
+</p:sld>
+</file>
+
+<file path=ppt/slides/slide16.xml><?xml version="1.0" encoding="utf-8"?>
+<p:sld xmlns:a="http://schemas.openxmlformats.org/drawingml/2006/main" xmlns:r="http://schemas.openxmlformats.org/officeDocument/2006/relationships" xmlns:p="http://schemas.openxmlformats.org/presentationml/2006/main">
+  <p:cSld>
+    <p:spTree>
+      <p:nvGrpSpPr>
+        <p:cNvPr id="1" name=""/>
+        <p:cNvGrpSpPr/>
+        <p:nvPr/>
+      </p:nvGrpSpPr>
+      <p:grpSpPr>
+        <a:xfrm>
+          <a:off x="0" y="0"/>
+          <a:ext cx="0" cy="0"/>
+          <a:chOff x="0" y="0"/>
+          <a:chExt cx="0" cy="0"/>
+        </a:xfrm>
+      </p:grpSpPr>
+      <p:sp>
+        <p:nvSpPr>
+          <p:cNvPr id="2" name="제목 1">
+            <a:extLst>
+              <a:ext uri="{FF2B5EF4-FFF2-40B4-BE49-F238E27FC236}">
+                <a16:creationId xmlns:a16="http://schemas.microsoft.com/office/drawing/2014/main" id="{71E4660F-138F-45E5-A2BD-B4BD32D1AA89}"/>
+              </a:ext>
+            </a:extLst>
+          </p:cNvPr>
+          <p:cNvSpPr>
+            <a:spLocks noGrp="1"/>
+          </p:cNvSpPr>
+          <p:nvPr>
+            <p:ph type="title"/>
+          </p:nvPr>
+        </p:nvSpPr>
+        <p:spPr/>
+        <p:txBody>
+          <a:bodyPr/>
+          <a:lstStyle/>
+          <a:p>
+            <a:r>
+              <a:rPr lang="en-US" altLang="ko-KR" dirty="0" err="1"/>
+              <a:t>Prepruning</a:t>
+            </a:r>
+            <a:r>
+              <a:rPr lang="en-US" altLang="ko-KR" dirty="0"/>
+              <a:t> pros and cons</a:t>
+            </a:r>
+            <a:endParaRPr lang="ko-KR" altLang="en-US" dirty="0"/>
+          </a:p>
+        </p:txBody>
+      </p:sp>
+      <p:sp>
+        <p:nvSpPr>
+          <p:cNvPr id="3" name="내용 개체 틀 2">
+            <a:extLst>
+              <a:ext uri="{FF2B5EF4-FFF2-40B4-BE49-F238E27FC236}">
+                <a16:creationId xmlns:a16="http://schemas.microsoft.com/office/drawing/2014/main" id="{30A49A52-F56F-4174-B592-376C2A66FE9E}"/>
+              </a:ext>
+            </a:extLst>
+          </p:cNvPr>
+          <p:cNvSpPr>
+            <a:spLocks noGrp="1"/>
+          </p:cNvSpPr>
+          <p:nvPr>
+            <p:ph idx="1"/>
+          </p:nvPr>
+        </p:nvSpPr>
+        <p:spPr/>
+        <p:txBody>
+          <a:bodyPr/>
+          <a:lstStyle/>
+          <a:p>
+            <a:r>
+              <a:rPr lang="en-US" altLang="ko-KR" dirty="0"/>
+              <a:t>Pros</a:t>
+            </a:r>
+          </a:p>
+          <a:p>
+            <a:pPr marL="514350" indent="-514350">
+              <a:buAutoNum type="arabicPeriod"/>
+            </a:pPr>
+            <a:r>
+              <a:rPr lang="en-US" altLang="ko-KR" dirty="0" err="1"/>
+              <a:t>Postpruning</a:t>
+            </a:r>
+            <a:r>
+              <a:rPr lang="en-US" altLang="ko-KR" dirty="0"/>
+              <a:t> </a:t>
+            </a:r>
+            <a:r>
+              <a:rPr lang="ko-KR" altLang="en-US" dirty="0"/>
+              <a:t>보다 빠르다</a:t>
+            </a:r>
+            <a:endParaRPr lang="en-US" altLang="ko-KR" dirty="0"/>
+          </a:p>
+          <a:p>
+            <a:pPr marL="514350" indent="-514350">
+              <a:buAutoNum type="arabicPeriod"/>
+            </a:pPr>
+            <a:endParaRPr lang="en-US" altLang="ko-KR" dirty="0"/>
+          </a:p>
+          <a:p>
+            <a:r>
+              <a:rPr lang="en-US" altLang="ko-KR" dirty="0"/>
+              <a:t>Cons</a:t>
+            </a:r>
+          </a:p>
+          <a:p>
+            <a:pPr marL="0" indent="0">
+              <a:buNone/>
+            </a:pPr>
+            <a:r>
+              <a:rPr lang="en-US" altLang="ko-KR" dirty="0"/>
+              <a:t>2. </a:t>
+            </a:r>
+            <a:r>
+              <a:rPr lang="ko-KR" altLang="en-US" dirty="0"/>
+              <a:t>너무 빨리 </a:t>
+            </a:r>
+            <a:r>
+              <a:rPr lang="en-US" altLang="ko-KR" dirty="0"/>
+              <a:t>growing</a:t>
+            </a:r>
+            <a:r>
+              <a:rPr lang="ko-KR" altLang="en-US" dirty="0"/>
+              <a:t>이 멈출 수도 있다</a:t>
+            </a:r>
+            <a:r>
+              <a:rPr lang="en-US" altLang="ko-KR" dirty="0"/>
+              <a:t>.</a:t>
+            </a:r>
+            <a:endParaRPr lang="ko-KR" altLang="en-US" dirty="0"/>
+          </a:p>
+        </p:txBody>
+      </p:sp>
+    </p:spTree>
+    <p:extLst>
+      <p:ext uri="{BB962C8B-B14F-4D97-AF65-F5344CB8AC3E}">
+        <p14:creationId xmlns:p14="http://schemas.microsoft.com/office/powerpoint/2010/main" val="2902236447"/>
+      </p:ext>
+    </p:extLst>
+  </p:cSld>
+  <p:clrMapOvr>
+    <a:masterClrMapping/>
+  </p:clrMapOvr>
+</p:sld>
+</file>
+
+<file path=ppt/slides/slide17.xml><?xml version="1.0" encoding="utf-8"?>
+<p:sld xmlns:a="http://schemas.openxmlformats.org/drawingml/2006/main" xmlns:r="http://schemas.openxmlformats.org/officeDocument/2006/relationships" xmlns:p="http://schemas.openxmlformats.org/presentationml/2006/main">
+  <p:cSld>
+    <p:spTree>
+      <p:nvGrpSpPr>
+        <p:cNvPr id="1" name=""/>
+        <p:cNvGrpSpPr/>
+        <p:nvPr/>
+      </p:nvGrpSpPr>
+      <p:grpSpPr>
+        <a:xfrm>
+          <a:off x="0" y="0"/>
+          <a:ext cx="0" cy="0"/>
+          <a:chOff x="0" y="0"/>
+          <a:chExt cx="0" cy="0"/>
+        </a:xfrm>
+      </p:grpSpPr>
+      <p:sp>
+        <p:nvSpPr>
+          <p:cNvPr id="2" name="제목 1">
+            <a:extLst>
+              <a:ext uri="{FF2B5EF4-FFF2-40B4-BE49-F238E27FC236}">
+                <a16:creationId xmlns:a16="http://schemas.microsoft.com/office/drawing/2014/main" id="{64A37BA6-F458-4589-B0F4-73E6B3873F70}"/>
+              </a:ext>
+            </a:extLst>
+          </p:cNvPr>
+          <p:cNvSpPr>
+            <a:spLocks noGrp="1"/>
+          </p:cNvSpPr>
+          <p:nvPr>
+            <p:ph type="title"/>
+          </p:nvPr>
+        </p:nvSpPr>
+        <p:spPr/>
+        <p:txBody>
+          <a:bodyPr/>
+          <a:lstStyle/>
+          <a:p>
+            <a:r>
+              <a:rPr lang="en-US" altLang="ko-KR" dirty="0" err="1"/>
+              <a:t>Postpruning</a:t>
+            </a:r>
+            <a:r>
+              <a:rPr lang="en-US" altLang="ko-KR" dirty="0"/>
+              <a:t>: Reduced Error Pruning</a:t>
+            </a:r>
+            <a:r>
+              <a:rPr lang="ko-KR" altLang="en-US" dirty="0"/>
+              <a:t> </a:t>
+            </a:r>
+          </a:p>
+        </p:txBody>
+      </p:sp>
+      <p:sp>
+        <p:nvSpPr>
+          <p:cNvPr id="3" name="내용 개체 틀 2">
+            <a:extLst>
+              <a:ext uri="{FF2B5EF4-FFF2-40B4-BE49-F238E27FC236}">
+                <a16:creationId xmlns:a16="http://schemas.microsoft.com/office/drawing/2014/main" id="{02DE0C85-1565-4C89-B8CB-8DE659AF5FD4}"/>
+              </a:ext>
+            </a:extLst>
+          </p:cNvPr>
+          <p:cNvSpPr>
+            <a:spLocks noGrp="1"/>
+          </p:cNvSpPr>
+          <p:nvPr>
+            <p:ph idx="1"/>
+          </p:nvPr>
+        </p:nvSpPr>
+        <p:spPr/>
+        <p:txBody>
+          <a:bodyPr/>
+          <a:lstStyle/>
+          <a:p>
+            <a:pPr marL="514350" indent="-514350" fontAlgn="base">
+              <a:buAutoNum type="arabicPeriod"/>
+            </a:pPr>
+            <a:r>
+              <a:rPr lang="en-US" altLang="ko-KR" dirty="0"/>
+              <a:t>Validation set</a:t>
+            </a:r>
+            <a:r>
+              <a:rPr lang="ko-KR" altLang="en-US" dirty="0"/>
+              <a:t>의 가능한 각각의 노드들을 지운 후 영향들을 평가한다</a:t>
+            </a:r>
+            <a:r>
+              <a:rPr lang="en-US" altLang="ko-KR" dirty="0"/>
+              <a:t>.</a:t>
+            </a:r>
+          </a:p>
+          <a:p>
+            <a:pPr marL="514350" indent="-514350" fontAlgn="base">
+              <a:buAutoNum type="arabicPeriod"/>
+            </a:pPr>
+            <a:r>
+              <a:rPr lang="ko-KR" altLang="en-US" dirty="0"/>
+              <a:t>가장 </a:t>
+            </a:r>
+            <a:r>
+              <a:rPr lang="en-US" altLang="ko-KR" dirty="0" err="1"/>
+              <a:t>accurac</a:t>
+            </a:r>
+            <a:r>
+              <a:rPr lang="ko-KR" altLang="en-US" dirty="0"/>
+              <a:t>를 많이 향상시키는 노드들을 </a:t>
+            </a:r>
+            <a:r>
+              <a:rPr lang="en-US" altLang="ko-KR" dirty="0"/>
+              <a:t>greedy</a:t>
+            </a:r>
+            <a:r>
+              <a:rPr lang="ko-KR" altLang="en-US" dirty="0"/>
+              <a:t>하게 지워준다</a:t>
+            </a:r>
+            <a:r>
+              <a:rPr lang="en-US" altLang="ko-KR" dirty="0"/>
+              <a:t>.</a:t>
+            </a:r>
+          </a:p>
+          <a:p>
+            <a:pPr marL="514350" indent="-514350" fontAlgn="base">
+              <a:buAutoNum type="arabicPeriod"/>
+            </a:pPr>
+            <a:r>
+              <a:rPr lang="en-US" altLang="ko-KR" dirty="0"/>
+              <a:t>Further</a:t>
+            </a:r>
+            <a:r>
+              <a:rPr lang="ko-KR" altLang="en-US" dirty="0"/>
+              <a:t>한 </a:t>
+            </a:r>
+            <a:r>
+              <a:rPr lang="en-US" altLang="ko-KR" dirty="0"/>
+              <a:t>pruning</a:t>
+            </a:r>
+            <a:r>
+              <a:rPr lang="ko-KR" altLang="en-US" dirty="0"/>
+              <a:t>이 </a:t>
+            </a:r>
+            <a:r>
+              <a:rPr lang="en-US" altLang="ko-KR" dirty="0"/>
+              <a:t>harmful</a:t>
+            </a:r>
+            <a:r>
+              <a:rPr lang="ko-KR" altLang="en-US" dirty="0"/>
+              <a:t>할 때까지 시행한다</a:t>
+            </a:r>
+            <a:r>
+              <a:rPr lang="en-US" altLang="ko-KR" dirty="0"/>
+              <a:t>. </a:t>
+            </a:r>
+            <a:endParaRPr lang="ko-KR" altLang="en-US" dirty="0"/>
+          </a:p>
+        </p:txBody>
+      </p:sp>
+    </p:spTree>
+    <p:extLst>
+      <p:ext uri="{BB962C8B-B14F-4D97-AF65-F5344CB8AC3E}">
+        <p14:creationId xmlns:p14="http://schemas.microsoft.com/office/powerpoint/2010/main" val="2365305619"/>
+      </p:ext>
+    </p:extLst>
+  </p:cSld>
+  <p:clrMapOvr>
+    <a:masterClrMapping/>
+  </p:clrMapOvr>
+</p:sld>
+</file>
+
+<file path=ppt/slides/slide18.xml><?xml version="1.0" encoding="utf-8"?>
+<p:sld xmlns:a="http://schemas.openxmlformats.org/drawingml/2006/main" xmlns:r="http://schemas.openxmlformats.org/officeDocument/2006/relationships" xmlns:p="http://schemas.openxmlformats.org/presentationml/2006/main">
+  <p:cSld>
+    <p:spTree>
+      <p:nvGrpSpPr>
+        <p:cNvPr id="1" name=""/>
+        <p:cNvGrpSpPr/>
+        <p:nvPr/>
+      </p:nvGrpSpPr>
+      <p:grpSpPr>
+        <a:xfrm>
+          <a:off x="0" y="0"/>
+          <a:ext cx="0" cy="0"/>
+          <a:chOff x="0" y="0"/>
+          <a:chExt cx="0" cy="0"/>
+        </a:xfrm>
+      </p:grpSpPr>
+      <p:sp>
+        <p:nvSpPr>
+          <p:cNvPr id="2" name="제목 1">
+            <a:extLst>
+              <a:ext uri="{FF2B5EF4-FFF2-40B4-BE49-F238E27FC236}">
+                <a16:creationId xmlns:a16="http://schemas.microsoft.com/office/drawing/2014/main" id="{F8BC3F65-B9BD-484F-AD4E-0092C642B39B}"/>
+              </a:ext>
+            </a:extLst>
+          </p:cNvPr>
+          <p:cNvSpPr>
+            <a:spLocks noGrp="1"/>
+          </p:cNvSpPr>
+          <p:nvPr>
+            <p:ph type="title"/>
+          </p:nvPr>
+        </p:nvSpPr>
+        <p:spPr/>
+        <p:txBody>
+          <a:bodyPr/>
+          <a:lstStyle/>
+          <a:p>
+            <a:r>
+              <a:rPr lang="en-US" altLang="ko-KR" dirty="0" err="1"/>
+              <a:t>Postpruning</a:t>
+            </a:r>
+            <a:r>
+              <a:rPr lang="en-US" altLang="ko-KR" dirty="0"/>
+              <a:t>: Subtree Replacement</a:t>
+            </a:r>
+            <a:endParaRPr lang="ko-KR" altLang="en-US" dirty="0"/>
+          </a:p>
+        </p:txBody>
+      </p:sp>
+      <p:sp>
+        <p:nvSpPr>
+          <p:cNvPr id="3" name="내용 개체 틀 2">
+            <a:extLst>
+              <a:ext uri="{FF2B5EF4-FFF2-40B4-BE49-F238E27FC236}">
+                <a16:creationId xmlns:a16="http://schemas.microsoft.com/office/drawing/2014/main" id="{5697C2D7-9C72-4A60-96EE-9E95DC93666E}"/>
+              </a:ext>
+            </a:extLst>
+          </p:cNvPr>
+          <p:cNvSpPr>
+            <a:spLocks noGrp="1"/>
+          </p:cNvSpPr>
+          <p:nvPr>
+            <p:ph idx="1"/>
+          </p:nvPr>
+        </p:nvSpPr>
+        <p:spPr/>
+        <p:txBody>
+          <a:bodyPr/>
+          <a:lstStyle/>
+          <a:p>
+            <a:r>
+              <a:rPr lang="en-US" altLang="ko-KR" dirty="0"/>
+              <a:t>bottom - up </a:t>
+            </a:r>
+            <a:r>
+              <a:rPr lang="ko-KR" altLang="en-US" dirty="0"/>
+              <a:t>으로 </a:t>
+            </a:r>
+            <a:r>
+              <a:rPr lang="en-US" altLang="ko-KR" dirty="0"/>
+              <a:t>subtree</a:t>
+            </a:r>
+            <a:r>
+              <a:rPr lang="ko-KR" altLang="en-US" dirty="0"/>
+              <a:t>를 제거한 후 </a:t>
+            </a:r>
+            <a:r>
+              <a:rPr lang="en-US" altLang="ko-KR" dirty="0"/>
+              <a:t>subtree</a:t>
+            </a:r>
+            <a:r>
+              <a:rPr lang="ko-KR" altLang="en-US" dirty="0"/>
+              <a:t>의 </a:t>
+            </a:r>
+            <a:r>
+              <a:rPr lang="en-US" altLang="ko-KR" dirty="0"/>
+              <a:t>majority class</a:t>
+            </a:r>
+            <a:r>
+              <a:rPr lang="ko-KR" altLang="en-US" dirty="0"/>
+              <a:t>를 </a:t>
+            </a:r>
+            <a:r>
+              <a:rPr lang="en-US" altLang="ko-KR" dirty="0"/>
+              <a:t>leaf node</a:t>
+            </a:r>
+            <a:r>
+              <a:rPr lang="ko-KR" altLang="en-US" dirty="0"/>
+              <a:t>로 넣어준다</a:t>
+            </a:r>
+            <a:r>
+              <a:rPr lang="en-US" altLang="ko-KR" dirty="0"/>
+              <a:t>. </a:t>
+            </a:r>
+            <a:r>
+              <a:rPr lang="ko-KR" altLang="en-US" dirty="0"/>
+              <a:t>만약 </a:t>
+            </a:r>
+            <a:r>
+              <a:rPr lang="en-US" altLang="ko-KR" dirty="0"/>
+              <a:t>error</a:t>
+            </a:r>
+            <a:r>
+              <a:rPr lang="ko-KR" altLang="en-US" dirty="0"/>
+              <a:t>가 더 높아지면 다시 되돌리고 아니면 그 값으로 바꿔준다</a:t>
+            </a:r>
+            <a:r>
+              <a:rPr lang="en-US" altLang="ko-KR" dirty="0"/>
+              <a:t>. </a:t>
+            </a:r>
+            <a:r>
+              <a:rPr lang="ko-KR" altLang="en-US" dirty="0"/>
+              <a:t>그후 더 큰 상위 트리에 이 작업을 반복한다</a:t>
+            </a:r>
+            <a:r>
+              <a:rPr lang="en-US" altLang="ko-KR" dirty="0"/>
+              <a:t>.</a:t>
+            </a:r>
+            <a:endParaRPr lang="ko-KR" altLang="en-US" dirty="0"/>
+          </a:p>
+          <a:p>
+            <a:pPr marL="0" indent="0">
+              <a:buNone/>
+            </a:pPr>
+            <a:endParaRPr lang="ko-KR" altLang="en-US" dirty="0"/>
+          </a:p>
+        </p:txBody>
+      </p:sp>
+    </p:spTree>
+    <p:extLst>
+      <p:ext uri="{BB962C8B-B14F-4D97-AF65-F5344CB8AC3E}">
+        <p14:creationId xmlns:p14="http://schemas.microsoft.com/office/powerpoint/2010/main" val="1884475130"/>
       </p:ext>
     </p:extLst>
   </p:cSld>
@@ -5767,8 +6765,8 @@
               <a:t> </a:t>
             </a:r>
             <a:r>
-              <a:rPr lang="en-US" altLang="ko-KR" b="1" dirty="0" err="1"/>
-              <a:t>greates</a:t>
+              <a:rPr lang="en-US" altLang="ko-KR" b="1" dirty="0"/>
+              <a:t>greatest</a:t>
             </a:r>
             <a:r>
               <a:rPr lang="ko-KR" altLang="en-US" b="1" dirty="0"/>
